--- a/23-mas_SON.pptx
+++ b/23-mas_SON.pptx
@@ -6,6 +6,10 @@
   </p:sldMasterIdLst>
   <p:sldIdLst>
     <p:sldId id="256" r:id="rId2"/>
+    <p:sldId id="257" r:id="rId3"/>
+    <p:sldId id="258" r:id="rId4"/>
+    <p:sldId id="259" r:id="rId5"/>
+    <p:sldId id="260" r:id="rId6"/>
   </p:sldIdLst>
   <p:sldSz cx="9144000" cy="6858000" type="screen4x3"/>
   <p:notesSz cx="6858000" cy="9144000"/>
@@ -3181,6 +3185,239 @@
           </a:p>
         </p:txBody>
       </p:sp>
+    </p:spTree>
+  </p:cSld>
+</p:sld>
+</file>
+
+<file path=ppt/slides/slide2.xml><?xml version="1.0" encoding="utf-8"?>
+<p:sld xmlns:a="http://schemas.openxmlformats.org/drawingml/2006/main" xmlns:r="http://schemas.openxmlformats.org/officeDocument/2006/relationships" xmlns:p="http://schemas.openxmlformats.org/presentationml/2006/main">
+  <p:cSld>
+    <p:spTree>
+      <p:nvGrpSpPr>
+        <p:cNvPr id="1" name=""/>
+        <p:cNvGrpSpPr/>
+        <p:nvPr/>
+      </p:nvGrpSpPr>
+      <p:grpSpPr>
+        <a:xfrm>
+          <a:off x="0" y="0"/>
+          <a:ext cx="0" cy="0"/>
+          <a:chOff x="0" y="0"/>
+          <a:chExt cx="0" cy="0"/>
+        </a:xfrm>
+      </p:grpSpPr>
+      <p:sp>
+        <p:nvSpPr>
+          <p:cNvPr id="2" name="Title 1"/>
+          <p:cNvSpPr>
+            <a:spLocks noGrp="1"/>
+          </p:cNvSpPr>
+          <p:nvPr>
+            <p:ph type="title"/>
+          </p:nvPr>
+        </p:nvSpPr>
+        <p:spPr/>
+        <p:txBody>
+          <a:bodyPr/>
+          <a:lstStyle/>
+          <a:p>
+            <a:pPr lvl="0" marL="0" indent="0">
+              <a:buNone/>
+            </a:pPr>
+            <a:r>
+              <a:rPr/>
+              <a:t>vt</a:t>
+            </a:r>
+          </a:p>
+        </p:txBody>
+      </p:sp>
+      <p:pic>
+        <p:nvPicPr>
+          <p:cNvPr descr="fig/23-mas_SON/unnamed-chunk-7-1.png" id="0" name="Picture 1"/>
+          <p:cNvPicPr>
+            <a:picLocks noGrp="1" noChangeAspect="1"/>
+          </p:cNvPicPr>
+          <p:nvPr/>
+        </p:nvPicPr>
+        <p:blipFill>
+          <a:blip r:embed="rId2"/>
+          <a:stretch>
+            <a:fillRect/>
+          </a:stretch>
+        </p:blipFill>
+        <p:spPr bwMode="auto">
+          <a:xfrm>
+            <a:off x="1752600" y="1600200"/>
+            <a:ext cx="5651500" cy="4521200"/>
+          </a:xfrm>
+          <a:prstGeom prst="rect">
+            <a:avLst/>
+          </a:prstGeom>
+          <a:noFill/>
+          <a:ln w="9525">
+            <a:noFill/>
+            <a:headEnd/>
+            <a:tailEnd/>
+          </a:ln>
+        </p:spPr>
+      </p:pic>
+    </p:spTree>
+  </p:cSld>
+</p:sld>
+</file>
+
+<file path=ppt/slides/slide3.xml><?xml version="1.0" encoding="utf-8"?>
+<p:sld xmlns:a="http://schemas.openxmlformats.org/drawingml/2006/main" xmlns:r="http://schemas.openxmlformats.org/officeDocument/2006/relationships" xmlns:p="http://schemas.openxmlformats.org/presentationml/2006/main">
+  <p:cSld>
+    <p:spTree>
+      <p:nvGrpSpPr>
+        <p:cNvPr id="1" name=""/>
+        <p:cNvGrpSpPr/>
+        <p:nvPr/>
+      </p:nvGrpSpPr>
+      <p:grpSpPr>
+        <a:xfrm>
+          <a:off x="0" y="0"/>
+          <a:ext cx="0" cy="0"/>
+          <a:chOff x="0" y="0"/>
+          <a:chExt cx="0" cy="0"/>
+        </a:xfrm>
+      </p:grpSpPr>
+      <p:pic>
+        <p:nvPicPr>
+          <p:cNvPr descr="fig/23-mas_SON/unnamed-chunk-9-1.png" id="0" name="Picture 1"/>
+          <p:cNvPicPr>
+            <a:picLocks noGrp="1" noChangeAspect="1"/>
+          </p:cNvPicPr>
+          <p:nvPr/>
+        </p:nvPicPr>
+        <p:blipFill>
+          <a:blip r:embed="rId2"/>
+          <a:stretch>
+            <a:fillRect/>
+          </a:stretch>
+        </p:blipFill>
+        <p:spPr bwMode="auto">
+          <a:xfrm>
+            <a:off x="1752600" y="1600200"/>
+            <a:ext cx="5651500" cy="4521200"/>
+          </a:xfrm>
+          <a:prstGeom prst="rect">
+            <a:avLst/>
+          </a:prstGeom>
+          <a:noFill/>
+          <a:ln w="9525">
+            <a:noFill/>
+            <a:headEnd/>
+            <a:tailEnd/>
+          </a:ln>
+        </p:spPr>
+      </p:pic>
+    </p:spTree>
+  </p:cSld>
+</p:sld>
+</file>
+
+<file path=ppt/slides/slide4.xml><?xml version="1.0" encoding="utf-8"?>
+<p:sld xmlns:a="http://schemas.openxmlformats.org/drawingml/2006/main" xmlns:r="http://schemas.openxmlformats.org/officeDocument/2006/relationships" xmlns:p="http://schemas.openxmlformats.org/presentationml/2006/main">
+  <p:cSld>
+    <p:spTree>
+      <p:nvGrpSpPr>
+        <p:cNvPr id="1" name=""/>
+        <p:cNvGrpSpPr/>
+        <p:nvPr/>
+      </p:nvGrpSpPr>
+      <p:grpSpPr>
+        <a:xfrm>
+          <a:off x="0" y="0"/>
+          <a:ext cx="0" cy="0"/>
+          <a:chOff x="0" y="0"/>
+          <a:chExt cx="0" cy="0"/>
+        </a:xfrm>
+      </p:grpSpPr>
+      <p:pic>
+        <p:nvPicPr>
+          <p:cNvPr descr="fig/23-mas_SON/unnamed-chunk-10-1.png" id="0" name="Picture 1"/>
+          <p:cNvPicPr>
+            <a:picLocks noGrp="1" noChangeAspect="1"/>
+          </p:cNvPicPr>
+          <p:nvPr/>
+        </p:nvPicPr>
+        <p:blipFill>
+          <a:blip r:embed="rId2"/>
+          <a:stretch>
+            <a:fillRect/>
+          </a:stretch>
+        </p:blipFill>
+        <p:spPr bwMode="auto">
+          <a:xfrm>
+            <a:off x="1752600" y="1600200"/>
+            <a:ext cx="5651500" cy="4521200"/>
+          </a:xfrm>
+          <a:prstGeom prst="rect">
+            <a:avLst/>
+          </a:prstGeom>
+          <a:noFill/>
+          <a:ln w="9525">
+            <a:noFill/>
+            <a:headEnd/>
+            <a:tailEnd/>
+          </a:ln>
+        </p:spPr>
+      </p:pic>
+    </p:spTree>
+  </p:cSld>
+</p:sld>
+</file>
+
+<file path=ppt/slides/slide5.xml><?xml version="1.0" encoding="utf-8"?>
+<p:sld xmlns:a="http://schemas.openxmlformats.org/drawingml/2006/main" xmlns:r="http://schemas.openxmlformats.org/officeDocument/2006/relationships" xmlns:p="http://schemas.openxmlformats.org/presentationml/2006/main">
+  <p:cSld>
+    <p:spTree>
+      <p:nvGrpSpPr>
+        <p:cNvPr id="1" name=""/>
+        <p:cNvGrpSpPr/>
+        <p:nvPr/>
+      </p:nvGrpSpPr>
+      <p:grpSpPr>
+        <a:xfrm>
+          <a:off x="0" y="0"/>
+          <a:ext cx="0" cy="0"/>
+          <a:chOff x="0" y="0"/>
+          <a:chExt cx="0" cy="0"/>
+        </a:xfrm>
+      </p:grpSpPr>
+      <p:pic>
+        <p:nvPicPr>
+          <p:cNvPr descr="fig/23-mas_SON/unnamed-chunk-11-1.png" id="0" name="Picture 1"/>
+          <p:cNvPicPr>
+            <a:picLocks noGrp="1" noChangeAspect="1"/>
+          </p:cNvPicPr>
+          <p:nvPr/>
+        </p:nvPicPr>
+        <p:blipFill>
+          <a:blip r:embed="rId2"/>
+          <a:stretch>
+            <a:fillRect/>
+          </a:stretch>
+        </p:blipFill>
+        <p:spPr bwMode="auto">
+          <a:xfrm>
+            <a:off x="1752600" y="1600200"/>
+            <a:ext cx="5651500" cy="4521200"/>
+          </a:xfrm>
+          <a:prstGeom prst="rect">
+            <a:avLst/>
+          </a:prstGeom>
+          <a:noFill/>
+          <a:ln w="9525">
+            <a:noFill/>
+            <a:headEnd/>
+            <a:tailEnd/>
+          </a:ln>
+        </p:spPr>
+      </p:pic>
     </p:spTree>
   </p:cSld>
 </p:sld>

--- a/23-mas_SON.pptx
+++ b/23-mas_SON.pptx
@@ -10,6 +10,8 @@
     <p:sldId id="258" r:id="rId4"/>
     <p:sldId id="259" r:id="rId5"/>
     <p:sldId id="260" r:id="rId6"/>
+    <p:sldId id="261" r:id="rId7"/>
+    <p:sldId id="262" r:id="rId8"/>
   </p:sldIdLst>
   <p:sldSz cx="9144000" cy="6858000" type="screen4x3"/>
   <p:notesSz cx="6858000" cy="9144000"/>
@@ -3234,7 +3236,321 @@
       </p:sp>
       <p:pic>
         <p:nvPicPr>
-          <p:cNvPr descr="fig/23-mas_SON/unnamed-chunk-7-1.png" id="0" name="Picture 1"/>
+          <p:cNvPr descr="fig/23-mas_SON/unnamed-chunk-8-1.png" id="0" name="Picture 1"/>
+          <p:cNvPicPr>
+            <a:picLocks noGrp="1" noChangeAspect="1"/>
+          </p:cNvPicPr>
+          <p:nvPr/>
+        </p:nvPicPr>
+        <p:blipFill>
+          <a:blip r:embed="rId2"/>
+          <a:stretch>
+            <a:fillRect/>
+          </a:stretch>
+        </p:blipFill>
+        <p:spPr bwMode="auto">
+          <a:xfrm>
+            <a:off x="2057400" y="1600200"/>
+            <a:ext cx="5016500" cy="4013200"/>
+          </a:xfrm>
+          <a:prstGeom prst="rect">
+            <a:avLst/>
+          </a:prstGeom>
+          <a:noFill/>
+          <a:ln w="9525">
+            <a:noFill/>
+            <a:headEnd/>
+            <a:tailEnd/>
+          </a:ln>
+        </p:spPr>
+      </p:pic>
+      <p:sp>
+        <p:nvSpPr>
+          <p:cNvPr id="1" name="TextBox 3"/>
+          <p:cNvSpPr txBox="1"/>
+          <p:nvPr/>
+        </p:nvSpPr>
+        <p:spPr>
+          <a:xfrm>
+            <a:off x="457200" y="5613400"/>
+            <a:ext cx="8229600" cy="508000"/>
+          </a:xfrm>
+          <a:prstGeom prst="rect">
+            <a:avLst/>
+          </a:prstGeom>
+          <a:noFill/>
+        </p:spPr>
+        <p:txBody>
+          <a:bodyPr/>
+          <a:lstStyle/>
+          <a:p>
+            <a:pPr lvl="0" marL="0" indent="0" algn="ctr">
+              <a:buNone/>
+            </a:pPr>
+            <a:r>
+              <a:rPr/>
+              <a:t>Regresión</a:t>
+            </a:r>
+            <a:r>
+              <a:rPr/>
+              <a:t> </a:t>
+            </a:r>
+            <a:r>
+              <a:rPr/>
+              <a:t>con</a:t>
+            </a:r>
+            <a:r>
+              <a:rPr/>
+              <a:t> </a:t>
+            </a:r>
+            <a:r>
+              <a:rPr/>
+              <a:t>v</a:t>
+            </a:r>
+            <a:r>
+              <a:rPr i="1"/>
+              <a:t>T</a:t>
+            </a:r>
+          </a:p>
+        </p:txBody>
+      </p:sp>
+    </p:spTree>
+  </p:cSld>
+</p:sld>
+</file>
+
+<file path=ppt/slides/slide3.xml><?xml version="1.0" encoding="utf-8"?>
+<p:sld xmlns:a="http://schemas.openxmlformats.org/drawingml/2006/main" xmlns:r="http://schemas.openxmlformats.org/officeDocument/2006/relationships" xmlns:p="http://schemas.openxmlformats.org/presentationml/2006/main">
+  <p:cSld>
+    <p:spTree>
+      <p:nvGrpSpPr>
+        <p:cNvPr id="1" name=""/>
+        <p:cNvGrpSpPr/>
+        <p:nvPr/>
+      </p:nvGrpSpPr>
+      <p:grpSpPr>
+        <a:xfrm>
+          <a:off x="0" y="0"/>
+          <a:ext cx="0" cy="0"/>
+          <a:chOff x="0" y="0"/>
+          <a:chExt cx="0" cy="0"/>
+        </a:xfrm>
+      </p:grpSpPr>
+      <p:pic>
+        <p:nvPicPr>
+          <p:cNvPr descr="fig/23-mas_SON/unnamed-chunk-10-1.png" id="0" name="Picture 1"/>
+          <p:cNvPicPr>
+            <a:picLocks noGrp="1" noChangeAspect="1"/>
+          </p:cNvPicPr>
+          <p:nvPr/>
+        </p:nvPicPr>
+        <p:blipFill>
+          <a:blip r:embed="rId2"/>
+          <a:stretch>
+            <a:fillRect/>
+          </a:stretch>
+        </p:blipFill>
+        <p:spPr bwMode="auto">
+          <a:xfrm>
+            <a:off x="2057400" y="1600200"/>
+            <a:ext cx="5016500" cy="4013200"/>
+          </a:xfrm>
+          <a:prstGeom prst="rect">
+            <a:avLst/>
+          </a:prstGeom>
+          <a:noFill/>
+          <a:ln w="9525">
+            <a:noFill/>
+            <a:headEnd/>
+            <a:tailEnd/>
+          </a:ln>
+        </p:spPr>
+      </p:pic>
+      <p:sp>
+        <p:nvSpPr>
+          <p:cNvPr id="1" name="TextBox 3"/>
+          <p:cNvSpPr txBox="1"/>
+          <p:nvPr/>
+        </p:nvSpPr>
+        <p:spPr>
+          <a:xfrm>
+            <a:off x="457200" y="5613400"/>
+            <a:ext cx="8229600" cy="508000"/>
+          </a:xfrm>
+          <a:prstGeom prst="rect">
+            <a:avLst/>
+          </a:prstGeom>
+          <a:noFill/>
+        </p:spPr>
+        <p:txBody>
+          <a:bodyPr/>
+          <a:lstStyle/>
+          <a:p>
+            <a:pPr lvl="0" marL="0" indent="0" algn="ctr">
+              <a:buNone/>
+            </a:pPr>
+            <a:r>
+              <a:rPr/>
+              <a:t>Regresión</a:t>
+            </a:r>
+            <a:r>
+              <a:rPr/>
+              <a:t> </a:t>
+            </a:r>
+            <a:r>
+              <a:rPr/>
+              <a:t>con</a:t>
+            </a:r>
+            <a:r>
+              <a:rPr/>
+              <a:t> </a:t>
+            </a:r>
+            <a:r>
+              <a:rPr/>
+              <a:t>olr</a:t>
+            </a:r>
+          </a:p>
+        </p:txBody>
+      </p:sp>
+    </p:spTree>
+  </p:cSld>
+</p:sld>
+</file>
+
+<file path=ppt/slides/slide4.xml><?xml version="1.0" encoding="utf-8"?>
+<p:sld xmlns:a="http://schemas.openxmlformats.org/drawingml/2006/main" xmlns:r="http://schemas.openxmlformats.org/officeDocument/2006/relationships" xmlns:p="http://schemas.openxmlformats.org/presentationml/2006/main">
+  <p:cSld>
+    <p:spTree>
+      <p:nvGrpSpPr>
+        <p:cNvPr id="1" name=""/>
+        <p:cNvGrpSpPr/>
+        <p:nvPr/>
+      </p:nvGrpSpPr>
+      <p:grpSpPr>
+        <a:xfrm>
+          <a:off x="0" y="0"/>
+          <a:ext cx="0" cy="0"/>
+          <a:chOff x="0" y="0"/>
+          <a:chExt cx="0" cy="0"/>
+        </a:xfrm>
+      </p:grpSpPr>
+      <p:pic>
+        <p:nvPicPr>
+          <p:cNvPr descr="fig/23-mas_SON/unnamed-chunk-11-1.png" id="0" name="Picture 1"/>
+          <p:cNvPicPr>
+            <a:picLocks noGrp="1" noChangeAspect="1"/>
+          </p:cNvPicPr>
+          <p:nvPr/>
+        </p:nvPicPr>
+        <p:blipFill>
+          <a:blip r:embed="rId2"/>
+          <a:stretch>
+            <a:fillRect/>
+          </a:stretch>
+        </p:blipFill>
+        <p:spPr bwMode="auto">
+          <a:xfrm>
+            <a:off x="2057400" y="1600200"/>
+            <a:ext cx="5016500" cy="4013200"/>
+          </a:xfrm>
+          <a:prstGeom prst="rect">
+            <a:avLst/>
+          </a:prstGeom>
+          <a:noFill/>
+          <a:ln w="9525">
+            <a:noFill/>
+            <a:headEnd/>
+            <a:tailEnd/>
+          </a:ln>
+        </p:spPr>
+      </p:pic>
+      <p:sp>
+        <p:nvSpPr>
+          <p:cNvPr id="1" name="TextBox 3"/>
+          <p:cNvSpPr txBox="1"/>
+          <p:nvPr/>
+        </p:nvSpPr>
+        <p:spPr>
+          <a:xfrm>
+            <a:off x="457200" y="5613400"/>
+            <a:ext cx="8229600" cy="508000"/>
+          </a:xfrm>
+          <a:prstGeom prst="rect">
+            <a:avLst/>
+          </a:prstGeom>
+          <a:noFill/>
+        </p:spPr>
+        <p:txBody>
+          <a:bodyPr/>
+          <a:lstStyle/>
+          <a:p>
+            <a:pPr lvl="0" marL="0" indent="0" algn="ctr">
+              <a:buNone/>
+            </a:pPr>
+            <a:r>
+              <a:rPr/>
+              <a:t>Regresión</a:t>
+            </a:r>
+            <a:r>
+              <a:rPr/>
+              <a:t> </a:t>
+            </a:r>
+            <a:r>
+              <a:rPr/>
+              <a:t>con</a:t>
+            </a:r>
+            <a:r>
+              <a:rPr/>
+              <a:t> </a:t>
+            </a:r>
+            <a:r>
+              <a:rPr/>
+              <a:t>temperatura</a:t>
+            </a:r>
+            <a:r>
+              <a:rPr/>
+              <a:t> </a:t>
+            </a:r>
+            <a:r>
+              <a:rPr/>
+              <a:t>del</a:t>
+            </a:r>
+            <a:r>
+              <a:rPr/>
+              <a:t> </a:t>
+            </a:r>
+            <a:r>
+              <a:rPr/>
+              <a:t>aire</a:t>
+            </a:r>
+          </a:p>
+        </p:txBody>
+      </p:sp>
+    </p:spTree>
+  </p:cSld>
+</p:sld>
+</file>
+
+<file path=ppt/slides/slide5.xml><?xml version="1.0" encoding="utf-8"?>
+<p:sld xmlns:a="http://schemas.openxmlformats.org/drawingml/2006/main" xmlns:r="http://schemas.openxmlformats.org/officeDocument/2006/relationships" xmlns:p="http://schemas.openxmlformats.org/presentationml/2006/main">
+  <p:cSld>
+    <p:spTree>
+      <p:nvGrpSpPr>
+        <p:cNvPr id="1" name=""/>
+        <p:cNvGrpSpPr/>
+        <p:nvPr/>
+      </p:nvGrpSpPr>
+      <p:grpSpPr>
+        <a:xfrm>
+          <a:off x="0" y="0"/>
+          <a:ext cx="0" cy="0"/>
+          <a:chOff x="0" y="0"/>
+          <a:chExt cx="0" cy="0"/>
+        </a:xfrm>
+      </p:grpSpPr>
+      <p:pic>
+        <p:nvPicPr>
+          <p:cNvPr descr="fig/23-mas_SON/Regresión%20con%20precipitación%20en%20sudamérica-1.png" id="0" name="Picture 1"/>
           <p:cNvPicPr>
             <a:picLocks noGrp="1" noChangeAspect="1"/>
           </p:cNvPicPr>
@@ -3267,7 +3583,7 @@
 </p:sld>
 </file>
 
-<file path=ppt/slides/slide3.xml><?xml version="1.0" encoding="utf-8"?>
+<file path=ppt/slides/slide6.xml><?xml version="1.0" encoding="utf-8"?>
 <p:sld xmlns:a="http://schemas.openxmlformats.org/drawingml/2006/main" xmlns:r="http://schemas.openxmlformats.org/officeDocument/2006/relationships" xmlns:p="http://schemas.openxmlformats.org/presentationml/2006/main">
   <p:cSld>
     <p:spTree>
@@ -3286,7 +3602,7 @@
       </p:grpSpPr>
       <p:pic>
         <p:nvPicPr>
-          <p:cNvPr descr="fig/23-mas_SON/unnamed-chunk-9-1.png" id="0" name="Picture 1"/>
+          <p:cNvPr descr="fig/23-mas_SON/unnamed-chunk-12-1.png" id="0" name="Picture 1"/>
           <p:cNvPicPr>
             <a:picLocks noGrp="1" noChangeAspect="1"/>
           </p:cNvPicPr>
@@ -3300,8 +3616,8 @@
         </p:blipFill>
         <p:spPr bwMode="auto">
           <a:xfrm>
-            <a:off x="1752600" y="1600200"/>
-            <a:ext cx="5651500" cy="4521200"/>
+            <a:off x="2057400" y="1600200"/>
+            <a:ext cx="5016500" cy="4013200"/>
           </a:xfrm>
           <a:prstGeom prst="rect">
             <a:avLst/>
@@ -3314,12 +3630,186 @@
           </a:ln>
         </p:spPr>
       </p:pic>
+      <p:sp>
+        <p:nvSpPr>
+          <p:cNvPr id="1" name="TextBox 3"/>
+          <p:cNvSpPr txBox="1"/>
+          <p:nvPr/>
+        </p:nvSpPr>
+        <p:spPr>
+          <a:xfrm>
+            <a:off x="457200" y="5613400"/>
+            <a:ext cx="8229600" cy="508000"/>
+          </a:xfrm>
+          <a:prstGeom prst="rect">
+            <a:avLst/>
+          </a:prstGeom>
+          <a:noFill/>
+        </p:spPr>
+        <p:txBody>
+          <a:bodyPr/>
+          <a:lstStyle/>
+          <a:p>
+            <a:pPr lvl="0" marL="0" indent="0" algn="ctr">
+              <a:buNone/>
+            </a:pPr>
+            <a:r>
+              <a:rPr/>
+              <a:t>Precipitación</a:t>
+            </a:r>
+            <a:r>
+              <a:rPr/>
+              <a:t> </a:t>
+            </a:r>
+            <a:r>
+              <a:rPr/>
+              <a:t>media</a:t>
+            </a:r>
+            <a:r>
+              <a:rPr/>
+              <a:t> </a:t>
+            </a:r>
+            <a:r>
+              <a:rPr/>
+              <a:t>en</a:t>
+            </a:r>
+            <a:r>
+              <a:rPr/>
+              <a:t> </a:t>
+            </a:r>
+            <a:r>
+              <a:rPr/>
+              <a:t>LPB</a:t>
+            </a:r>
+            <a:r>
+              <a:rPr/>
+              <a:t> </a:t>
+            </a:r>
+            <a:r>
+              <a:rPr/>
+              <a:t>(caja</a:t>
+            </a:r>
+            <a:r>
+              <a:rPr/>
+              <a:t> </a:t>
+            </a:r>
+            <a:r>
+              <a:rPr/>
+              <a:t>de</a:t>
+            </a:r>
+            <a:r>
+              <a:rPr/>
+              <a:t> </a:t>
+            </a:r>
+            <a:r>
+              <a:rPr/>
+              <a:t>la</a:t>
+            </a:r>
+            <a:r>
+              <a:rPr/>
+              <a:t> </a:t>
+            </a:r>
+            <a:r>
+              <a:rPr/>
+              <a:t>figura</a:t>
+            </a:r>
+            <a:r>
+              <a:rPr/>
+              <a:t> </a:t>
+            </a:r>
+            <a:r>
+              <a:rPr/>
+              <a:t>anterior)</a:t>
+            </a:r>
+            <a:r>
+              <a:rPr/>
+              <a:t> </a:t>
+            </a:r>
+            <a:r>
+              <a:rPr/>
+              <a:t>en</a:t>
+            </a:r>
+            <a:r>
+              <a:rPr/>
+              <a:t> </a:t>
+            </a:r>
+            <a:r>
+              <a:rPr/>
+              <a:t>función</a:t>
+            </a:r>
+            <a:r>
+              <a:rPr/>
+              <a:t> </a:t>
+            </a:r>
+            <a:r>
+              <a:rPr/>
+              <a:t>de</a:t>
+            </a:r>
+            <a:r>
+              <a:rPr/>
+              <a:t> </a:t>
+            </a:r>
+            <a:r>
+              <a:rPr/>
+              <a:t>parte</a:t>
+            </a:r>
+            <a:r>
+              <a:rPr/>
+              <a:t> </a:t>
+            </a:r>
+            <a:r>
+              <a:rPr/>
+              <a:t>real</a:t>
+            </a:r>
+            <a:r>
+              <a:rPr/>
+              <a:t> </a:t>
+            </a:r>
+            <a:r>
+              <a:rPr/>
+              <a:t>e</a:t>
+            </a:r>
+            <a:r>
+              <a:rPr/>
+              <a:t> </a:t>
+            </a:r>
+            <a:r>
+              <a:rPr/>
+              <a:t>imaginaria</a:t>
+            </a:r>
+            <a:r>
+              <a:rPr/>
+              <a:t> </a:t>
+            </a:r>
+            <a:r>
+              <a:rPr/>
+              <a:t>de</a:t>
+            </a:r>
+            <a:r>
+              <a:rPr/>
+              <a:t> </a:t>
+            </a:r>
+            <a:r>
+              <a:rPr/>
+              <a:t>cada</a:t>
+            </a:r>
+            <a:r>
+              <a:rPr/>
+              <a:t> </a:t>
+            </a:r>
+            <a:r>
+              <a:rPr/>
+              <a:t>PC.</a:t>
+            </a:r>
+          </a:p>
+        </p:txBody>
+      </p:sp>
     </p:spTree>
   </p:cSld>
 </p:sld>
 </file>
 
-<file path=ppt/slides/slide4.xml><?xml version="1.0" encoding="utf-8"?>
+<file path=ppt/slides/slide7.xml><?xml version="1.0" encoding="utf-8"?>
 <p:sld xmlns:a="http://schemas.openxmlformats.org/drawingml/2006/main" xmlns:r="http://schemas.openxmlformats.org/officeDocument/2006/relationships" xmlns:p="http://schemas.openxmlformats.org/presentationml/2006/main">
   <p:cSld>
     <p:spTree>
@@ -3338,7 +3828,7 @@
       </p:grpSpPr>
       <p:pic>
         <p:nvPicPr>
-          <p:cNvPr descr="fig/23-mas_SON/unnamed-chunk-10-1.png" id="0" name="Picture 1"/>
+          <p:cNvPr descr="fig/23-mas_SON/unnamed-chunk-13-1.png" id="0" name="Picture 1"/>
           <p:cNvPicPr>
             <a:picLocks noGrp="1" noChangeAspect="1"/>
           </p:cNvPicPr>
@@ -3352,8 +3842,8 @@
         </p:blipFill>
         <p:spPr bwMode="auto">
           <a:xfrm>
-            <a:off x="1752600" y="1600200"/>
-            <a:ext cx="5651500" cy="4521200"/>
+            <a:off x="2057400" y="1600200"/>
+            <a:ext cx="5016500" cy="4013200"/>
           </a:xfrm>
           <a:prstGeom prst="rect">
             <a:avLst/>
@@ -3366,58 +3856,316 @@
           </a:ln>
         </p:spPr>
       </p:pic>
-    </p:spTree>
-  </p:cSld>
-</p:sld>
-</file>
-
-<file path=ppt/slides/slide5.xml><?xml version="1.0" encoding="utf-8"?>
-<p:sld xmlns:a="http://schemas.openxmlformats.org/drawingml/2006/main" xmlns:r="http://schemas.openxmlformats.org/officeDocument/2006/relationships" xmlns:p="http://schemas.openxmlformats.org/presentationml/2006/main">
-  <p:cSld>
-    <p:spTree>
-      <p:nvGrpSpPr>
-        <p:cNvPr id="1" name=""/>
-        <p:cNvGrpSpPr/>
-        <p:nvPr/>
-      </p:nvGrpSpPr>
-      <p:grpSpPr>
-        <a:xfrm>
-          <a:off x="0" y="0"/>
-          <a:ext cx="0" cy="0"/>
-          <a:chOff x="0" y="0"/>
-          <a:chExt cx="0" cy="0"/>
-        </a:xfrm>
-      </p:grpSpPr>
-      <p:pic>
-        <p:nvPicPr>
-          <p:cNvPr descr="fig/23-mas_SON/unnamed-chunk-11-1.png" id="0" name="Picture 1"/>
-          <p:cNvPicPr>
-            <a:picLocks noGrp="1" noChangeAspect="1"/>
-          </p:cNvPicPr>
+      <p:sp>
+        <p:nvSpPr>
+          <p:cNvPr id="1" name="TextBox 3"/>
+          <p:cNvSpPr txBox="1"/>
           <p:nvPr/>
-        </p:nvPicPr>
-        <p:blipFill>
-          <a:blip r:embed="rId2"/>
-          <a:stretch>
-            <a:fillRect/>
-          </a:stretch>
-        </p:blipFill>
-        <p:spPr bwMode="auto">
+        </p:nvSpPr>
+        <p:spPr>
           <a:xfrm>
-            <a:off x="1752600" y="1600200"/>
-            <a:ext cx="5651500" cy="4521200"/>
+            <a:off x="457200" y="5613400"/>
+            <a:ext cx="8229600" cy="508000"/>
           </a:xfrm>
           <a:prstGeom prst="rect">
             <a:avLst/>
           </a:prstGeom>
           <a:noFill/>
-          <a:ln w="9525">
-            <a:noFill/>
-            <a:headEnd/>
-            <a:tailEnd/>
-          </a:ln>
         </p:spPr>
-      </p:pic>
+        <p:txBody>
+          <a:bodyPr/>
+          <a:lstStyle/>
+          <a:p>
+            <a:pPr lvl="0" marL="0" indent="0" algn="ctr">
+              <a:buNone/>
+            </a:pPr>
+            <a:r>
+              <a:rPr/>
+              <a:t>Series</a:t>
+            </a:r>
+            <a:r>
+              <a:rPr/>
+              <a:t> </a:t>
+            </a:r>
+            <a:r>
+              <a:rPr/>
+              <a:t>temporales</a:t>
+            </a:r>
+            <a:r>
+              <a:rPr/>
+              <a:t> </a:t>
+            </a:r>
+            <a:r>
+              <a:rPr/>
+              <a:t>de</a:t>
+            </a:r>
+            <a:r>
+              <a:rPr/>
+              <a:t> </a:t>
+            </a:r>
+            <a:r>
+              <a:rPr/>
+              <a:t>precipitación</a:t>
+            </a:r>
+            <a:r>
+              <a:rPr/>
+              <a:t> </a:t>
+            </a:r>
+            <a:r>
+              <a:rPr/>
+              <a:t>en</a:t>
+            </a:r>
+            <a:r>
+              <a:rPr/>
+              <a:t> </a:t>
+            </a:r>
+            <a:r>
+              <a:rPr/>
+              <a:t>LPB</a:t>
+            </a:r>
+            <a:r>
+              <a:rPr/>
+              <a:t> </a:t>
+            </a:r>
+            <a:r>
+              <a:rPr/>
+              <a:t>observadas</a:t>
+            </a:r>
+            <a:r>
+              <a:rPr/>
+              <a:t> </a:t>
+            </a:r>
+            <a:r>
+              <a:rPr/>
+              <a:t>(rojo)</a:t>
+            </a:r>
+            <a:r>
+              <a:rPr/>
+              <a:t> </a:t>
+            </a:r>
+            <a:r>
+              <a:rPr/>
+              <a:t>y</a:t>
+            </a:r>
+            <a:r>
+              <a:rPr/>
+              <a:t> </a:t>
+            </a:r>
+            <a:r>
+              <a:rPr/>
+              <a:t>modeladas</a:t>
+            </a:r>
+            <a:r>
+              <a:rPr/>
+              <a:t> </a:t>
+            </a:r>
+            <a:r>
+              <a:rPr/>
+              <a:t>con</a:t>
+            </a:r>
+            <a:r>
+              <a:rPr/>
+              <a:t> </a:t>
+            </a:r>
+            <a:r>
+              <a:rPr/>
+              <a:t>modelo</a:t>
+            </a:r>
+            <a:r>
+              <a:rPr/>
+              <a:t> </a:t>
+            </a:r>
+            <a:r>
+              <a:rPr/>
+              <a:t>lineal</a:t>
+            </a:r>
+            <a:r>
+              <a:rPr/>
+              <a:t> </a:t>
+            </a:r>
+            <a:r>
+              <a:rPr/>
+              <a:t>(azul).</a:t>
+            </a:r>
+            <a:r>
+              <a:rPr/>
+              <a:t> </a:t>
+            </a:r>
+            <a:r>
+              <a:rPr/>
+              <a:t>El</a:t>
+            </a:r>
+            <a:r>
+              <a:rPr/>
+              <a:t> </a:t>
+            </a:r>
+            <a:r>
+              <a:rPr/>
+              <a:t>modelo</a:t>
+            </a:r>
+            <a:r>
+              <a:rPr/>
+              <a:t> </a:t>
+            </a:r>
+            <a:r>
+              <a:rPr/>
+              <a:t>se</a:t>
+            </a:r>
+            <a:r>
+              <a:rPr/>
+              <a:t> </a:t>
+            </a:r>
+            <a:r>
+              <a:rPr/>
+              <a:t>ajustó</a:t>
+            </a:r>
+            <a:r>
+              <a:rPr/>
+              <a:t> </a:t>
+            </a:r>
+            <a:r>
+              <a:rPr/>
+              <a:t>con</a:t>
+            </a:r>
+            <a:r>
+              <a:rPr/>
+              <a:t> </a:t>
+            </a:r>
+            <a:r>
+              <a:rPr/>
+              <a:t>datos</a:t>
+            </a:r>
+            <a:r>
+              <a:rPr/>
+              <a:t> </a:t>
+            </a:r>
+            <a:r>
+              <a:rPr/>
+              <a:t>anteriores</a:t>
+            </a:r>
+            <a:r>
+              <a:rPr/>
+              <a:t> </a:t>
+            </a:r>
+            <a:r>
+              <a:rPr/>
+              <a:t>a</a:t>
+            </a:r>
+            <a:r>
+              <a:rPr/>
+              <a:t> </a:t>
+            </a:r>
+            <a:r>
+              <a:rPr/>
+              <a:t>2000.</a:t>
+            </a:r>
+            <a:r>
+              <a:rPr/>
+              <a:t> </a:t>
+            </a:r>
+            <a:r>
+              <a:rPr/>
+              <a:t>Se</a:t>
+            </a:r>
+            <a:r>
+              <a:rPr/>
+              <a:t> </a:t>
+            </a:r>
+            <a:r>
+              <a:rPr/>
+              <a:t>muestra</a:t>
+            </a:r>
+            <a:r>
+              <a:rPr/>
+              <a:t> </a:t>
+            </a:r>
+            <a:r>
+              <a:rPr/>
+              <a:t>la</a:t>
+            </a:r>
+            <a:r>
+              <a:rPr/>
+              <a:t> </a:t>
+            </a:r>
+            <a:r>
+              <a:rPr/>
+              <a:t>correlación</a:t>
+            </a:r>
+            <a:r>
+              <a:rPr/>
+              <a:t> </a:t>
+            </a:r>
+            <a:r>
+              <a:rPr/>
+              <a:t>entre</a:t>
+            </a:r>
+            <a:r>
+              <a:rPr/>
+              <a:t> </a:t>
+            </a:r>
+            <a:r>
+              <a:rPr/>
+              <a:t>las</a:t>
+            </a:r>
+            <a:r>
+              <a:rPr/>
+              <a:t> </a:t>
+            </a:r>
+            <a:r>
+              <a:rPr/>
+              <a:t>series</a:t>
+            </a:r>
+            <a:r>
+              <a:rPr/>
+              <a:t> </a:t>
+            </a:r>
+            <a:r>
+              <a:rPr/>
+              <a:t>para</a:t>
+            </a:r>
+            <a:r>
+              <a:rPr/>
+              <a:t> </a:t>
+            </a:r>
+            <a:r>
+              <a:rPr/>
+              <a:t>los</a:t>
+            </a:r>
+            <a:r>
+              <a:rPr/>
+              <a:t> </a:t>
+            </a:r>
+            <a:r>
+              <a:rPr/>
+              <a:t>datos</a:t>
+            </a:r>
+            <a:r>
+              <a:rPr/>
+              <a:t> </a:t>
+            </a:r>
+            <a:r>
+              <a:rPr/>
+              <a:t>posteriores</a:t>
+            </a:r>
+            <a:r>
+              <a:rPr/>
+              <a:t> </a:t>
+            </a:r>
+            <a:r>
+              <a:rPr/>
+              <a:t>a</a:t>
+            </a:r>
+            <a:r>
+              <a:rPr/>
+              <a:t> </a:t>
+            </a:r>
+            <a:r>
+              <a:rPr/>
+              <a:t>2000.</a:t>
+            </a:r>
+          </a:p>
+        </p:txBody>
+      </p:sp>
     </p:spTree>
   </p:cSld>
 </p:sld>

--- a/23-mas_SON.pptx
+++ b/23-mas_SON.pptx
@@ -12,6 +12,10 @@
     <p:sldId id="260" r:id="rId6"/>
     <p:sldId id="261" r:id="rId7"/>
     <p:sldId id="262" r:id="rId8"/>
+    <p:sldId id="263" r:id="rId9"/>
+    <p:sldId id="264" r:id="rId10"/>
+    <p:sldId id="265" r:id="rId11"/>
+    <p:sldId id="266" r:id="rId12"/>
   </p:sldIdLst>
   <p:sldSz cx="9144000" cy="6858000" type="screen4x3"/>
   <p:notesSz cx="6858000" cy="9144000"/>
@@ -3192,7 +3196,7 @@
 </p:sld>
 </file>
 
-<file path=ppt/slides/slide2.xml><?xml version="1.0" encoding="utf-8"?>
+<file path=ppt/slides/slide10.xml><?xml version="1.0" encoding="utf-8"?>
 <p:sld xmlns:a="http://schemas.openxmlformats.org/drawingml/2006/main" xmlns:r="http://schemas.openxmlformats.org/officeDocument/2006/relationships" xmlns:p="http://schemas.openxmlformats.org/presentationml/2006/main">
   <p:cSld>
     <p:spTree>
@@ -3209,34 +3213,9 @@
           <a:chExt cx="0" cy="0"/>
         </a:xfrm>
       </p:grpSpPr>
-      <p:sp>
-        <p:nvSpPr>
-          <p:cNvPr id="2" name="Title 1"/>
-          <p:cNvSpPr>
-            <a:spLocks noGrp="1"/>
-          </p:cNvSpPr>
-          <p:nvPr>
-            <p:ph type="title"/>
-          </p:nvPr>
-        </p:nvSpPr>
-        <p:spPr/>
-        <p:txBody>
-          <a:bodyPr/>
-          <a:lstStyle/>
-          <a:p>
-            <a:pPr lvl="0" marL="0" indent="0">
-              <a:buNone/>
-            </a:pPr>
-            <a:r>
-              <a:rPr/>
-              <a:t>vt</a:t>
-            </a:r>
-          </a:p>
-        </p:txBody>
-      </p:sp>
       <p:pic>
         <p:nvPicPr>
-          <p:cNvPr descr="fig/23-mas_SON/unnamed-chunk-8-1.png" id="0" name="Picture 1"/>
+          <p:cNvPr descr="fig/23-mas_SON/unnamed-chunk-15-1.png" id="0" name="Picture 1"/>
           <p:cNvPicPr>
             <a:picLocks noGrp="1" noChangeAspect="1"/>
           </p:cNvPicPr>
@@ -3289,6 +3268,619 @@
             </a:pPr>
             <a:r>
               <a:rPr/>
+              <a:t>Precipitación</a:t>
+            </a:r>
+            <a:r>
+              <a:rPr/>
+              <a:t> </a:t>
+            </a:r>
+            <a:r>
+              <a:rPr/>
+              <a:t>media</a:t>
+            </a:r>
+            <a:r>
+              <a:rPr/>
+              <a:t> </a:t>
+            </a:r>
+            <a:r>
+              <a:rPr/>
+              <a:t>en</a:t>
+            </a:r>
+            <a:r>
+              <a:rPr/>
+              <a:t> </a:t>
+            </a:r>
+            <a:r>
+              <a:rPr/>
+              <a:t>LPB</a:t>
+            </a:r>
+            <a:r>
+              <a:rPr/>
+              <a:t> </a:t>
+            </a:r>
+            <a:r>
+              <a:rPr/>
+              <a:t>(caja</a:t>
+            </a:r>
+            <a:r>
+              <a:rPr/>
+              <a:t> </a:t>
+            </a:r>
+            <a:r>
+              <a:rPr/>
+              <a:t>de</a:t>
+            </a:r>
+            <a:r>
+              <a:rPr/>
+              <a:t> </a:t>
+            </a:r>
+            <a:r>
+              <a:rPr/>
+              <a:t>la</a:t>
+            </a:r>
+            <a:r>
+              <a:rPr/>
+              <a:t> </a:t>
+            </a:r>
+            <a:r>
+              <a:rPr/>
+              <a:t>figura</a:t>
+            </a:r>
+            <a:r>
+              <a:rPr/>
+              <a:t> </a:t>
+            </a:r>
+            <a:r>
+              <a:rPr/>
+              <a:t>anterior)</a:t>
+            </a:r>
+            <a:r>
+              <a:rPr/>
+              <a:t> </a:t>
+            </a:r>
+            <a:r>
+              <a:rPr/>
+              <a:t>en</a:t>
+            </a:r>
+            <a:r>
+              <a:rPr/>
+              <a:t> </a:t>
+            </a:r>
+            <a:r>
+              <a:rPr/>
+              <a:t>función</a:t>
+            </a:r>
+            <a:r>
+              <a:rPr/>
+              <a:t> </a:t>
+            </a:r>
+            <a:r>
+              <a:rPr/>
+              <a:t>de</a:t>
+            </a:r>
+            <a:r>
+              <a:rPr/>
+              <a:t> </a:t>
+            </a:r>
+            <a:r>
+              <a:rPr/>
+              <a:t>parte</a:t>
+            </a:r>
+            <a:r>
+              <a:rPr/>
+              <a:t> </a:t>
+            </a:r>
+            <a:r>
+              <a:rPr/>
+              <a:t>real</a:t>
+            </a:r>
+            <a:r>
+              <a:rPr/>
+              <a:t> </a:t>
+            </a:r>
+            <a:r>
+              <a:rPr/>
+              <a:t>e</a:t>
+            </a:r>
+            <a:r>
+              <a:rPr/>
+              <a:t> </a:t>
+            </a:r>
+            <a:r>
+              <a:rPr/>
+              <a:t>imaginaria</a:t>
+            </a:r>
+            <a:r>
+              <a:rPr/>
+              <a:t> </a:t>
+            </a:r>
+            <a:r>
+              <a:rPr/>
+              <a:t>de</a:t>
+            </a:r>
+            <a:r>
+              <a:rPr/>
+              <a:t> </a:t>
+            </a:r>
+            <a:r>
+              <a:rPr/>
+              <a:t>cada</a:t>
+            </a:r>
+            <a:r>
+              <a:rPr/>
+              <a:t> </a:t>
+            </a:r>
+            <a:r>
+              <a:rPr/>
+              <a:t>PC.</a:t>
+            </a:r>
+          </a:p>
+        </p:txBody>
+      </p:sp>
+    </p:spTree>
+  </p:cSld>
+</p:sld>
+</file>
+
+<file path=ppt/slides/slide11.xml><?xml version="1.0" encoding="utf-8"?>
+<p:sld xmlns:a="http://schemas.openxmlformats.org/drawingml/2006/main" xmlns:r="http://schemas.openxmlformats.org/officeDocument/2006/relationships" xmlns:p="http://schemas.openxmlformats.org/presentationml/2006/main">
+  <p:cSld>
+    <p:spTree>
+      <p:nvGrpSpPr>
+        <p:cNvPr id="1" name=""/>
+        <p:cNvGrpSpPr/>
+        <p:nvPr/>
+      </p:nvGrpSpPr>
+      <p:grpSpPr>
+        <a:xfrm>
+          <a:off x="0" y="0"/>
+          <a:ext cx="0" cy="0"/>
+          <a:chOff x="0" y="0"/>
+          <a:chExt cx="0" cy="0"/>
+        </a:xfrm>
+      </p:grpSpPr>
+      <p:pic>
+        <p:nvPicPr>
+          <p:cNvPr descr="fig/23-mas_SON/unnamed-chunk-16-1.png" id="0" name="Picture 1"/>
+          <p:cNvPicPr>
+            <a:picLocks noGrp="1" noChangeAspect="1"/>
+          </p:cNvPicPr>
+          <p:nvPr/>
+        </p:nvPicPr>
+        <p:blipFill>
+          <a:blip r:embed="rId2"/>
+          <a:stretch>
+            <a:fillRect/>
+          </a:stretch>
+        </p:blipFill>
+        <p:spPr bwMode="auto">
+          <a:xfrm>
+            <a:off x="2057400" y="1600200"/>
+            <a:ext cx="5016500" cy="4013200"/>
+          </a:xfrm>
+          <a:prstGeom prst="rect">
+            <a:avLst/>
+          </a:prstGeom>
+          <a:noFill/>
+          <a:ln w="9525">
+            <a:noFill/>
+            <a:headEnd/>
+            <a:tailEnd/>
+          </a:ln>
+        </p:spPr>
+      </p:pic>
+      <p:sp>
+        <p:nvSpPr>
+          <p:cNvPr id="1" name="TextBox 3"/>
+          <p:cNvSpPr txBox="1"/>
+          <p:nvPr/>
+        </p:nvSpPr>
+        <p:spPr>
+          <a:xfrm>
+            <a:off x="457200" y="5613400"/>
+            <a:ext cx="8229600" cy="508000"/>
+          </a:xfrm>
+          <a:prstGeom prst="rect">
+            <a:avLst/>
+          </a:prstGeom>
+          <a:noFill/>
+        </p:spPr>
+        <p:txBody>
+          <a:bodyPr/>
+          <a:lstStyle/>
+          <a:p>
+            <a:pPr lvl="0" marL="0" indent="0" algn="ctr">
+              <a:buNone/>
+            </a:pPr>
+            <a:r>
+              <a:rPr/>
+              <a:t>Series</a:t>
+            </a:r>
+            <a:r>
+              <a:rPr/>
+              <a:t> </a:t>
+            </a:r>
+            <a:r>
+              <a:rPr/>
+              <a:t>temporales</a:t>
+            </a:r>
+            <a:r>
+              <a:rPr/>
+              <a:t> </a:t>
+            </a:r>
+            <a:r>
+              <a:rPr/>
+              <a:t>de</a:t>
+            </a:r>
+            <a:r>
+              <a:rPr/>
+              <a:t> </a:t>
+            </a:r>
+            <a:r>
+              <a:rPr/>
+              <a:t>precipitación</a:t>
+            </a:r>
+            <a:r>
+              <a:rPr/>
+              <a:t> </a:t>
+            </a:r>
+            <a:r>
+              <a:rPr/>
+              <a:t>en</a:t>
+            </a:r>
+            <a:r>
+              <a:rPr/>
+              <a:t> </a:t>
+            </a:r>
+            <a:r>
+              <a:rPr/>
+              <a:t>LPB</a:t>
+            </a:r>
+            <a:r>
+              <a:rPr/>
+              <a:t> </a:t>
+            </a:r>
+            <a:r>
+              <a:rPr/>
+              <a:t>observadas</a:t>
+            </a:r>
+            <a:r>
+              <a:rPr/>
+              <a:t> </a:t>
+            </a:r>
+            <a:r>
+              <a:rPr/>
+              <a:t>(rojo)</a:t>
+            </a:r>
+            <a:r>
+              <a:rPr/>
+              <a:t> </a:t>
+            </a:r>
+            <a:r>
+              <a:rPr/>
+              <a:t>y</a:t>
+            </a:r>
+            <a:r>
+              <a:rPr/>
+              <a:t> </a:t>
+            </a:r>
+            <a:r>
+              <a:rPr/>
+              <a:t>modeladas</a:t>
+            </a:r>
+            <a:r>
+              <a:rPr/>
+              <a:t> </a:t>
+            </a:r>
+            <a:r>
+              <a:rPr/>
+              <a:t>con</a:t>
+            </a:r>
+            <a:r>
+              <a:rPr/>
+              <a:t> </a:t>
+            </a:r>
+            <a:r>
+              <a:rPr/>
+              <a:t>modelo</a:t>
+            </a:r>
+            <a:r>
+              <a:rPr/>
+              <a:t> </a:t>
+            </a:r>
+            <a:r>
+              <a:rPr/>
+              <a:t>lineal</a:t>
+            </a:r>
+            <a:r>
+              <a:rPr/>
+              <a:t> </a:t>
+            </a:r>
+            <a:r>
+              <a:rPr/>
+              <a:t>(azul).</a:t>
+            </a:r>
+            <a:r>
+              <a:rPr/>
+              <a:t> </a:t>
+            </a:r>
+            <a:r>
+              <a:rPr/>
+              <a:t>El</a:t>
+            </a:r>
+            <a:r>
+              <a:rPr/>
+              <a:t> </a:t>
+            </a:r>
+            <a:r>
+              <a:rPr/>
+              <a:t>modelo</a:t>
+            </a:r>
+            <a:r>
+              <a:rPr/>
+              <a:t> </a:t>
+            </a:r>
+            <a:r>
+              <a:rPr/>
+              <a:t>se</a:t>
+            </a:r>
+            <a:r>
+              <a:rPr/>
+              <a:t> </a:t>
+            </a:r>
+            <a:r>
+              <a:rPr/>
+              <a:t>ajustó</a:t>
+            </a:r>
+            <a:r>
+              <a:rPr/>
+              <a:t> </a:t>
+            </a:r>
+            <a:r>
+              <a:rPr/>
+              <a:t>con</a:t>
+            </a:r>
+            <a:r>
+              <a:rPr/>
+              <a:t> </a:t>
+            </a:r>
+            <a:r>
+              <a:rPr/>
+              <a:t>datos</a:t>
+            </a:r>
+            <a:r>
+              <a:rPr/>
+              <a:t> </a:t>
+            </a:r>
+            <a:r>
+              <a:rPr/>
+              <a:t>anteriores</a:t>
+            </a:r>
+            <a:r>
+              <a:rPr/>
+              <a:t> </a:t>
+            </a:r>
+            <a:r>
+              <a:rPr/>
+              <a:t>a</a:t>
+            </a:r>
+            <a:r>
+              <a:rPr/>
+              <a:t> </a:t>
+            </a:r>
+            <a:r>
+              <a:rPr/>
+              <a:t>2000.</a:t>
+            </a:r>
+            <a:r>
+              <a:rPr/>
+              <a:t> </a:t>
+            </a:r>
+            <a:r>
+              <a:rPr/>
+              <a:t>Se</a:t>
+            </a:r>
+            <a:r>
+              <a:rPr/>
+              <a:t> </a:t>
+            </a:r>
+            <a:r>
+              <a:rPr/>
+              <a:t>muestra</a:t>
+            </a:r>
+            <a:r>
+              <a:rPr/>
+              <a:t> </a:t>
+            </a:r>
+            <a:r>
+              <a:rPr/>
+              <a:t>la</a:t>
+            </a:r>
+            <a:r>
+              <a:rPr/>
+              <a:t> </a:t>
+            </a:r>
+            <a:r>
+              <a:rPr/>
+              <a:t>correlación</a:t>
+            </a:r>
+            <a:r>
+              <a:rPr/>
+              <a:t> </a:t>
+            </a:r>
+            <a:r>
+              <a:rPr/>
+              <a:t>entre</a:t>
+            </a:r>
+            <a:r>
+              <a:rPr/>
+              <a:t> </a:t>
+            </a:r>
+            <a:r>
+              <a:rPr/>
+              <a:t>las</a:t>
+            </a:r>
+            <a:r>
+              <a:rPr/>
+              <a:t> </a:t>
+            </a:r>
+            <a:r>
+              <a:rPr/>
+              <a:t>series</a:t>
+            </a:r>
+            <a:r>
+              <a:rPr/>
+              <a:t> </a:t>
+            </a:r>
+            <a:r>
+              <a:rPr/>
+              <a:t>para</a:t>
+            </a:r>
+            <a:r>
+              <a:rPr/>
+              <a:t> </a:t>
+            </a:r>
+            <a:r>
+              <a:rPr/>
+              <a:t>los</a:t>
+            </a:r>
+            <a:r>
+              <a:rPr/>
+              <a:t> </a:t>
+            </a:r>
+            <a:r>
+              <a:rPr/>
+              <a:t>datos</a:t>
+            </a:r>
+            <a:r>
+              <a:rPr/>
+              <a:t> </a:t>
+            </a:r>
+            <a:r>
+              <a:rPr/>
+              <a:t>posteriores</a:t>
+            </a:r>
+            <a:r>
+              <a:rPr/>
+              <a:t> </a:t>
+            </a:r>
+            <a:r>
+              <a:rPr/>
+              <a:t>a</a:t>
+            </a:r>
+            <a:r>
+              <a:rPr/>
+              <a:t> </a:t>
+            </a:r>
+            <a:r>
+              <a:rPr/>
+              <a:t>2000.</a:t>
+            </a:r>
+          </a:p>
+        </p:txBody>
+      </p:sp>
+    </p:spTree>
+  </p:cSld>
+</p:sld>
+</file>
+
+<file path=ppt/slides/slide2.xml><?xml version="1.0" encoding="utf-8"?>
+<p:sld xmlns:a="http://schemas.openxmlformats.org/drawingml/2006/main" xmlns:r="http://schemas.openxmlformats.org/officeDocument/2006/relationships" xmlns:p="http://schemas.openxmlformats.org/presentationml/2006/main">
+  <p:cSld>
+    <p:spTree>
+      <p:nvGrpSpPr>
+        <p:cNvPr id="1" name=""/>
+        <p:cNvGrpSpPr/>
+        <p:nvPr/>
+      </p:nvGrpSpPr>
+      <p:grpSpPr>
+        <a:xfrm>
+          <a:off x="0" y="0"/>
+          <a:ext cx="0" cy="0"/>
+          <a:chOff x="0" y="0"/>
+          <a:chExt cx="0" cy="0"/>
+        </a:xfrm>
+      </p:grpSpPr>
+      <p:sp>
+        <p:nvSpPr>
+          <p:cNvPr id="2" name="Title 1"/>
+          <p:cNvSpPr>
+            <a:spLocks noGrp="1"/>
+          </p:cNvSpPr>
+          <p:nvPr>
+            <p:ph type="title"/>
+          </p:nvPr>
+        </p:nvSpPr>
+        <p:spPr/>
+        <p:txBody>
+          <a:bodyPr/>
+          <a:lstStyle/>
+          <a:p>
+            <a:pPr lvl="0" marL="0" indent="0">
+              <a:buNone/>
+            </a:pPr>
+            <a:r>
+              <a:rPr/>
+              <a:t>vt</a:t>
+            </a:r>
+          </a:p>
+        </p:txBody>
+      </p:sp>
+      <p:pic>
+        <p:nvPicPr>
+          <p:cNvPr descr="fig/23-mas_SON/unnamed-chunk-7-1.png" id="0" name="Picture 1"/>
+          <p:cNvPicPr>
+            <a:picLocks noGrp="1" noChangeAspect="1"/>
+          </p:cNvPicPr>
+          <p:nvPr/>
+        </p:nvPicPr>
+        <p:blipFill>
+          <a:blip r:embed="rId2"/>
+          <a:stretch>
+            <a:fillRect/>
+          </a:stretch>
+        </p:blipFill>
+        <p:spPr bwMode="auto">
+          <a:xfrm>
+            <a:off x="2057400" y="1600200"/>
+            <a:ext cx="5016500" cy="4013200"/>
+          </a:xfrm>
+          <a:prstGeom prst="rect">
+            <a:avLst/>
+          </a:prstGeom>
+          <a:noFill/>
+          <a:ln w="9525">
+            <a:noFill/>
+            <a:headEnd/>
+            <a:tailEnd/>
+          </a:ln>
+        </p:spPr>
+      </p:pic>
+      <p:sp>
+        <p:nvSpPr>
+          <p:cNvPr id="1" name="TextBox 3"/>
+          <p:cNvSpPr txBox="1"/>
+          <p:nvPr/>
+        </p:nvSpPr>
+        <p:spPr>
+          <a:xfrm>
+            <a:off x="457200" y="5613400"/>
+            <a:ext cx="8229600" cy="508000"/>
+          </a:xfrm>
+          <a:prstGeom prst="rect">
+            <a:avLst/>
+          </a:prstGeom>
+          <a:noFill/>
+        </p:spPr>
+        <p:txBody>
+          <a:bodyPr/>
+          <a:lstStyle/>
+          <a:p>
+            <a:pPr lvl="0" marL="0" indent="0" algn="ctr">
+              <a:buNone/>
+            </a:pPr>
+            <a:r>
+              <a:rPr/>
               <a:t>Regresión</a:t>
             </a:r>
             <a:r>
@@ -3320,6 +3912,104 @@
 </file>
 
 <file path=ppt/slides/slide3.xml><?xml version="1.0" encoding="utf-8"?>
+<p:sld xmlns:a="http://schemas.openxmlformats.org/drawingml/2006/main" xmlns:r="http://schemas.openxmlformats.org/officeDocument/2006/relationships" xmlns:p="http://schemas.openxmlformats.org/presentationml/2006/main">
+  <p:cSld>
+    <p:spTree>
+      <p:nvGrpSpPr>
+        <p:cNvPr id="1" name=""/>
+        <p:cNvGrpSpPr/>
+        <p:nvPr/>
+      </p:nvGrpSpPr>
+      <p:grpSpPr>
+        <a:xfrm>
+          <a:off x="0" y="0"/>
+          <a:ext cx="0" cy="0"/>
+          <a:chOff x="0" y="0"/>
+          <a:chExt cx="0" cy="0"/>
+        </a:xfrm>
+      </p:grpSpPr>
+      <p:pic>
+        <p:nvPicPr>
+          <p:cNvPr descr="fig/23-mas_SON/unnamed-chunk-9-1.png" id="0" name="Picture 1"/>
+          <p:cNvPicPr>
+            <a:picLocks noGrp="1" noChangeAspect="1"/>
+          </p:cNvPicPr>
+          <p:nvPr/>
+        </p:nvPicPr>
+        <p:blipFill>
+          <a:blip r:embed="rId2"/>
+          <a:stretch>
+            <a:fillRect/>
+          </a:stretch>
+        </p:blipFill>
+        <p:spPr bwMode="auto">
+          <a:xfrm>
+            <a:off x="2057400" y="1600200"/>
+            <a:ext cx="5016500" cy="4013200"/>
+          </a:xfrm>
+          <a:prstGeom prst="rect">
+            <a:avLst/>
+          </a:prstGeom>
+          <a:noFill/>
+          <a:ln w="9525">
+            <a:noFill/>
+            <a:headEnd/>
+            <a:tailEnd/>
+          </a:ln>
+        </p:spPr>
+      </p:pic>
+      <p:sp>
+        <p:nvSpPr>
+          <p:cNvPr id="1" name="TextBox 3"/>
+          <p:cNvSpPr txBox="1"/>
+          <p:nvPr/>
+        </p:nvSpPr>
+        <p:spPr>
+          <a:xfrm>
+            <a:off x="457200" y="5613400"/>
+            <a:ext cx="8229600" cy="508000"/>
+          </a:xfrm>
+          <a:prstGeom prst="rect">
+            <a:avLst/>
+          </a:prstGeom>
+          <a:noFill/>
+        </p:spPr>
+        <p:txBody>
+          <a:bodyPr/>
+          <a:lstStyle/>
+          <a:p>
+            <a:pPr lvl="0" marL="0" indent="0" algn="ctr">
+              <a:buNone/>
+            </a:pPr>
+            <a:r>
+              <a:rPr/>
+              <a:t>Regresión</a:t>
+            </a:r>
+            <a:r>
+              <a:rPr/>
+              <a:t> </a:t>
+            </a:r>
+            <a:r>
+              <a:rPr/>
+              <a:t>con</a:t>
+            </a:r>
+            <a:r>
+              <a:rPr/>
+              <a:t> </a:t>
+            </a:r>
+            <a:r>
+              <a:rPr/>
+              <a:t>olr</a:t>
+            </a:r>
+          </a:p>
+        </p:txBody>
+      </p:sp>
+    </p:spTree>
+  </p:cSld>
+</p:sld>
+</file>
+
+<file path=ppt/slides/slide4.xml><?xml version="1.0" encoding="utf-8"?>
 <p:sld xmlns:a="http://schemas.openxmlformats.org/drawingml/2006/main" xmlns:r="http://schemas.openxmlformats.org/officeDocument/2006/relationships" xmlns:p="http://schemas.openxmlformats.org/presentationml/2006/main">
   <p:cSld>
     <p:spTree>
@@ -3407,7 +4097,23 @@
             </a:r>
             <a:r>
               <a:rPr/>
-              <a:t>olr</a:t>
+              <a:t>temperatura</a:t>
+            </a:r>
+            <a:r>
+              <a:rPr/>
+              <a:t> </a:t>
+            </a:r>
+            <a:r>
+              <a:rPr/>
+              <a:t>del</a:t>
+            </a:r>
+            <a:r>
+              <a:rPr/>
+              <a:t> </a:t>
+            </a:r>
+            <a:r>
+              <a:rPr/>
+              <a:t>aire</a:t>
             </a:r>
           </a:p>
         </p:txBody>
@@ -3417,7 +4123,7 @@
 </p:sld>
 </file>
 
-<file path=ppt/slides/slide4.xml><?xml version="1.0" encoding="utf-8"?>
+<file path=ppt/slides/slide5.xml><?xml version="1.0" encoding="utf-8"?>
 <p:sld xmlns:a="http://schemas.openxmlformats.org/drawingml/2006/main" xmlns:r="http://schemas.openxmlformats.org/officeDocument/2006/relationships" xmlns:p="http://schemas.openxmlformats.org/presentationml/2006/main">
   <p:cSld>
     <p:spTree>
@@ -3436,7 +4142,7 @@
       </p:grpSpPr>
       <p:pic>
         <p:nvPicPr>
-          <p:cNvPr descr="fig/23-mas_SON/unnamed-chunk-11-1.png" id="0" name="Picture 1"/>
+          <p:cNvPr descr="fig/23-mas_SON/unnamed-chunk-12-1.png" id="0" name="Picture 1"/>
           <p:cNvPicPr>
             <a:picLocks noGrp="1" noChangeAspect="1"/>
           </p:cNvPicPr>
@@ -3489,39 +4195,95 @@
             </a:pPr>
             <a:r>
               <a:rPr/>
-              <a:t>Regresión</a:t>
-            </a:r>
-            <a:r>
-              <a:rPr/>
-              <a:t> </a:t>
-            </a:r>
-            <a:r>
-              <a:rPr/>
-              <a:t>con</a:t>
-            </a:r>
-            <a:r>
-              <a:rPr/>
-              <a:t> </a:t>
-            </a:r>
-            <a:r>
-              <a:rPr/>
-              <a:t>temperatura</a:t>
-            </a:r>
-            <a:r>
-              <a:rPr/>
-              <a:t> </a:t>
-            </a:r>
-            <a:r>
-              <a:rPr/>
-              <a:t>del</a:t>
-            </a:r>
-            <a:r>
-              <a:rPr/>
-              <a:t> </a:t>
-            </a:r>
-            <a:r>
-              <a:rPr/>
-              <a:t>aire</a:t>
+              <a:t>Ks</a:t>
+            </a:r>
+            <a:r>
+              <a:rPr/>
+              <a:t> </a:t>
+            </a:r>
+            <a:r>
+              <a:rPr/>
+              <a:t>medio</a:t>
+            </a:r>
+            <a:r>
+              <a:rPr/>
+              <a:t> </a:t>
+            </a:r>
+            <a:r>
+              <a:rPr/>
+              <a:t>para</a:t>
+            </a:r>
+            <a:r>
+              <a:rPr/>
+              <a:t> </a:t>
+            </a:r>
+            <a:r>
+              <a:rPr/>
+              <a:t>1</a:t>
+            </a:r>
+            <a:r>
+              <a:rPr/>
+              <a:t> </a:t>
+            </a:r>
+            <a:r>
+              <a:rPr/>
+              <a:t>tercil</a:t>
+            </a:r>
+            <a:r>
+              <a:rPr/>
+              <a:t> </a:t>
+            </a:r>
+            <a:r>
+              <a:rPr/>
+              <a:t>(low)</a:t>
+            </a:r>
+            <a:r>
+              <a:rPr/>
+              <a:t> </a:t>
+            </a:r>
+            <a:r>
+              <a:rPr/>
+              <a:t>y</a:t>
+            </a:r>
+            <a:r>
+              <a:rPr/>
+              <a:t> </a:t>
+            </a:r>
+            <a:r>
+              <a:rPr/>
+              <a:t>tercer</a:t>
+            </a:r>
+            <a:r>
+              <a:rPr/>
+              <a:t> </a:t>
+            </a:r>
+            <a:r>
+              <a:rPr/>
+              <a:t>tercil</a:t>
+            </a:r>
+            <a:r>
+              <a:rPr/>
+              <a:t> </a:t>
+            </a:r>
+            <a:r>
+              <a:rPr/>
+              <a:t>(high)</a:t>
+            </a:r>
+            <a:r>
+              <a:rPr/>
+              <a:t> </a:t>
+            </a:r>
+            <a:r>
+              <a:rPr/>
+              <a:t>de</a:t>
+            </a:r>
+            <a:r>
+              <a:rPr/>
+              <a:t> </a:t>
+            </a:r>
+            <a:r>
+              <a:rPr/>
+              <a:t>PC2</a:t>
             </a:r>
           </a:p>
         </p:txBody>
@@ -3531,7 +4293,370 @@
 </p:sld>
 </file>
 
-<file path=ppt/slides/slide5.xml><?xml version="1.0" encoding="utf-8"?>
+<file path=ppt/slides/slide6.xml><?xml version="1.0" encoding="utf-8"?>
+<p:sld xmlns:a="http://schemas.openxmlformats.org/drawingml/2006/main" xmlns:r="http://schemas.openxmlformats.org/officeDocument/2006/relationships" xmlns:p="http://schemas.openxmlformats.org/presentationml/2006/main">
+  <p:cSld>
+    <p:spTree>
+      <p:nvGrpSpPr>
+        <p:cNvPr id="1" name=""/>
+        <p:cNvGrpSpPr/>
+        <p:nvPr/>
+      </p:nvGrpSpPr>
+      <p:grpSpPr>
+        <a:xfrm>
+          <a:off x="0" y="0"/>
+          <a:ext cx="0" cy="0"/>
+          <a:chOff x="0" y="0"/>
+          <a:chExt cx="0" cy="0"/>
+        </a:xfrm>
+      </p:grpSpPr>
+      <p:pic>
+        <p:nvPicPr>
+          <p:cNvPr descr="fig/23-mas_SON/unnamed-chunk-13-1.png" id="0" name="Picture 1"/>
+          <p:cNvPicPr>
+            <a:picLocks noGrp="1" noChangeAspect="1"/>
+          </p:cNvPicPr>
+          <p:nvPr/>
+        </p:nvPicPr>
+        <p:blipFill>
+          <a:blip r:embed="rId2"/>
+          <a:stretch>
+            <a:fillRect/>
+          </a:stretch>
+        </p:blipFill>
+        <p:spPr bwMode="auto">
+          <a:xfrm>
+            <a:off x="2057400" y="1600200"/>
+            <a:ext cx="5016500" cy="4013200"/>
+          </a:xfrm>
+          <a:prstGeom prst="rect">
+            <a:avLst/>
+          </a:prstGeom>
+          <a:noFill/>
+          <a:ln w="9525">
+            <a:noFill/>
+            <a:headEnd/>
+            <a:tailEnd/>
+          </a:ln>
+        </p:spPr>
+      </p:pic>
+      <p:sp>
+        <p:nvSpPr>
+          <p:cNvPr id="1" name="TextBox 3"/>
+          <p:cNvSpPr txBox="1"/>
+          <p:nvPr/>
+        </p:nvSpPr>
+        <p:spPr>
+          <a:xfrm>
+            <a:off x="457200" y="5613400"/>
+            <a:ext cx="8229600" cy="508000"/>
+          </a:xfrm>
+          <a:prstGeom prst="rect">
+            <a:avLst/>
+          </a:prstGeom>
+          <a:noFill/>
+        </p:spPr>
+        <p:txBody>
+          <a:bodyPr/>
+          <a:lstStyle/>
+          <a:p>
+            <a:pPr lvl="0" marL="0" indent="0" algn="ctr">
+              <a:buNone/>
+            </a:pPr>
+            <a:r>
+              <a:rPr/>
+              <a:t>Igual</a:t>
+            </a:r>
+            <a:r>
+              <a:rPr/>
+              <a:t> </a:t>
+            </a:r>
+            <a:r>
+              <a:rPr/>
+              <a:t>que</a:t>
+            </a:r>
+            <a:r>
+              <a:rPr/>
+              <a:t> </a:t>
+            </a:r>
+            <a:r>
+              <a:rPr/>
+              <a:t>en</a:t>
+            </a:r>
+            <a:r>
+              <a:rPr/>
+              <a:t> </a:t>
+            </a:r>
+            <a:r>
+              <a:rPr/>
+              <a:t>la</a:t>
+            </a:r>
+            <a:r>
+              <a:rPr/>
+              <a:t> </a:t>
+            </a:r>
+            <a:r>
+              <a:rPr/>
+              <a:t>figura</a:t>
+            </a:r>
+            <a:r>
+              <a:rPr/>
+              <a:t> </a:t>
+            </a:r>
+            <a:r>
+              <a:rPr/>
+              <a:t>anterior</a:t>
+            </a:r>
+            <a:r>
+              <a:rPr/>
+              <a:t> </a:t>
+            </a:r>
+            <a:r>
+              <a:rPr/>
+              <a:t>pero</a:t>
+            </a:r>
+            <a:r>
+              <a:rPr/>
+              <a:t> </a:t>
+            </a:r>
+            <a:r>
+              <a:rPr/>
+              <a:t>restando</a:t>
+            </a:r>
+            <a:r>
+              <a:rPr/>
+              <a:t> </a:t>
+            </a:r>
+            <a:r>
+              <a:rPr/>
+              <a:t>el</a:t>
+            </a:r>
+            <a:r>
+              <a:rPr/>
+              <a:t> </a:t>
+            </a:r>
+            <a:r>
+              <a:rPr/>
+              <a:t>Ks</a:t>
+            </a:r>
+            <a:r>
+              <a:rPr/>
+              <a:t> </a:t>
+            </a:r>
+            <a:r>
+              <a:rPr/>
+              <a:t>medio</a:t>
+            </a:r>
+            <a:r>
+              <a:rPr/>
+              <a:t> </a:t>
+            </a:r>
+            <a:r>
+              <a:rPr/>
+              <a:t>climatológico</a:t>
+            </a:r>
+          </a:p>
+        </p:txBody>
+      </p:sp>
+    </p:spTree>
+  </p:cSld>
+</p:sld>
+</file>
+
+<file path=ppt/slides/slide7.xml><?xml version="1.0" encoding="utf-8"?>
+<p:sld xmlns:a="http://schemas.openxmlformats.org/drawingml/2006/main" xmlns:r="http://schemas.openxmlformats.org/officeDocument/2006/relationships" xmlns:p="http://schemas.openxmlformats.org/presentationml/2006/main">
+  <p:cSld>
+    <p:spTree>
+      <p:nvGrpSpPr>
+        <p:cNvPr id="1" name=""/>
+        <p:cNvGrpSpPr/>
+        <p:nvPr/>
+      </p:nvGrpSpPr>
+      <p:grpSpPr>
+        <a:xfrm>
+          <a:off x="0" y="0"/>
+          <a:ext cx="0" cy="0"/>
+          <a:chOff x="0" y="0"/>
+          <a:chExt cx="0" cy="0"/>
+        </a:xfrm>
+      </p:grpSpPr>
+      <p:pic>
+        <p:nvPicPr>
+          <p:cNvPr descr="fig/23-mas_SON/unnamed-chunk-14-1.png" id="0" name="Picture 1"/>
+          <p:cNvPicPr>
+            <a:picLocks noGrp="1" noChangeAspect="1"/>
+          </p:cNvPicPr>
+          <p:nvPr/>
+        </p:nvPicPr>
+        <p:blipFill>
+          <a:blip r:embed="rId2"/>
+          <a:stretch>
+            <a:fillRect/>
+          </a:stretch>
+        </p:blipFill>
+        <p:spPr bwMode="auto">
+          <a:xfrm>
+            <a:off x="2057400" y="1600200"/>
+            <a:ext cx="5016500" cy="4013200"/>
+          </a:xfrm>
+          <a:prstGeom prst="rect">
+            <a:avLst/>
+          </a:prstGeom>
+          <a:noFill/>
+          <a:ln w="9525">
+            <a:noFill/>
+            <a:headEnd/>
+            <a:tailEnd/>
+          </a:ln>
+        </p:spPr>
+      </p:pic>
+      <p:sp>
+        <p:nvSpPr>
+          <p:cNvPr id="1" name="TextBox 3"/>
+          <p:cNvSpPr txBox="1"/>
+          <p:nvPr/>
+        </p:nvSpPr>
+        <p:spPr>
+          <a:xfrm>
+            <a:off x="457200" y="5613400"/>
+            <a:ext cx="8229600" cy="508000"/>
+          </a:xfrm>
+          <a:prstGeom prst="rect">
+            <a:avLst/>
+          </a:prstGeom>
+          <a:noFill/>
+        </p:spPr>
+        <p:txBody>
+          <a:bodyPr/>
+          <a:lstStyle/>
+          <a:p>
+            <a:pPr lvl="0" marL="0" indent="0" algn="ctr">
+              <a:buNone/>
+            </a:pPr>
+            <a:r>
+              <a:rPr/>
+              <a:t>Igual</a:t>
+            </a:r>
+            <a:r>
+              <a:rPr/>
+              <a:t> </a:t>
+            </a:r>
+            <a:r>
+              <a:rPr/>
+              <a:t>que</a:t>
+            </a:r>
+            <a:r>
+              <a:rPr/>
+              <a:t> </a:t>
+            </a:r>
+            <a:r>
+              <a:rPr/>
+              <a:t>en</a:t>
+            </a:r>
+            <a:r>
+              <a:rPr/>
+              <a:t> </a:t>
+            </a:r>
+            <a:r>
+              <a:rPr/>
+              <a:t>figura</a:t>
+            </a:r>
+            <a:r>
+              <a:rPr/>
+              <a:t> </a:t>
+            </a:r>
+            <a:r>
+              <a:rPr/>
+              <a:t>anterior</a:t>
+            </a:r>
+            <a:r>
+              <a:rPr/>
+              <a:t> </a:t>
+            </a:r>
+            <a:r>
+              <a:rPr/>
+              <a:t>pero</a:t>
+            </a:r>
+            <a:r>
+              <a:rPr/>
+              <a:t> </a:t>
+            </a:r>
+            <a:r>
+              <a:rPr/>
+              <a:t>corte</a:t>
+            </a:r>
+            <a:r>
+              <a:rPr/>
+              <a:t> </a:t>
+            </a:r>
+            <a:r>
+              <a:rPr/>
+              <a:t>en</a:t>
+            </a:r>
+            <a:r>
+              <a:rPr/>
+              <a:t> </a:t>
+            </a:r>
+            <a:r>
+              <a:rPr/>
+              <a:t>120°W</a:t>
+            </a:r>
+          </a:p>
+        </p:txBody>
+      </p:sp>
+    </p:spTree>
+  </p:cSld>
+</p:sld>
+</file>
+
+<file path=ppt/slides/slide8.xml><?xml version="1.0" encoding="utf-8"?>
+<p:sld xmlns:a="http://schemas.openxmlformats.org/drawingml/2006/main" xmlns:r="http://schemas.openxmlformats.org/officeDocument/2006/relationships" xmlns:p="http://schemas.openxmlformats.org/presentationml/2006/main">
+  <p:cSld>
+    <p:spTree>
+      <p:nvGrpSpPr>
+        <p:cNvPr id="1" name=""/>
+        <p:cNvGrpSpPr/>
+        <p:nvPr/>
+      </p:nvGrpSpPr>
+      <p:grpSpPr>
+        <a:xfrm>
+          <a:off x="0" y="0"/>
+          <a:ext cx="0" cy="0"/>
+          <a:chOff x="0" y="0"/>
+          <a:chExt cx="0" cy="0"/>
+        </a:xfrm>
+      </p:grpSpPr>
+      <p:sp>
+        <p:nvSpPr>
+          <p:cNvPr id="3" name="Content Placeholder 2"/>
+          <p:cNvSpPr>
+            <a:spLocks noGrp="1"/>
+          </p:cNvSpPr>
+          <p:nvPr>
+            <p:ph idx="1"/>
+          </p:nvPr>
+        </p:nvSpPr>
+        <p:spPr/>
+        <p:txBody>
+          <a:bodyPr/>
+          <a:lstStyle/>
+          <a:p>
+            <a:pPr lvl="0" marL="0" indent="0">
+              <a:buNone/>
+            </a:pPr>
+            <a:r>
+              <a:rPr/>
+              <a:t> # Precipitación</a:t>
+            </a:r>
+          </a:p>
+        </p:txBody>
+      </p:sp>
+    </p:spTree>
+  </p:cSld>
+</p:sld>
+</file>
+
+<file path=ppt/slides/slide9.xml><?xml version="1.0" encoding="utf-8"?>
 <p:sld xmlns:a="http://schemas.openxmlformats.org/drawingml/2006/main" xmlns:r="http://schemas.openxmlformats.org/officeDocument/2006/relationships" xmlns:p="http://schemas.openxmlformats.org/presentationml/2006/main">
   <p:cSld>
     <p:spTree>
@@ -3578,594 +4703,6 @@
           </a:ln>
         </p:spPr>
       </p:pic>
-    </p:spTree>
-  </p:cSld>
-</p:sld>
-</file>
-
-<file path=ppt/slides/slide6.xml><?xml version="1.0" encoding="utf-8"?>
-<p:sld xmlns:a="http://schemas.openxmlformats.org/drawingml/2006/main" xmlns:r="http://schemas.openxmlformats.org/officeDocument/2006/relationships" xmlns:p="http://schemas.openxmlformats.org/presentationml/2006/main">
-  <p:cSld>
-    <p:spTree>
-      <p:nvGrpSpPr>
-        <p:cNvPr id="1" name=""/>
-        <p:cNvGrpSpPr/>
-        <p:nvPr/>
-      </p:nvGrpSpPr>
-      <p:grpSpPr>
-        <a:xfrm>
-          <a:off x="0" y="0"/>
-          <a:ext cx="0" cy="0"/>
-          <a:chOff x="0" y="0"/>
-          <a:chExt cx="0" cy="0"/>
-        </a:xfrm>
-      </p:grpSpPr>
-      <p:pic>
-        <p:nvPicPr>
-          <p:cNvPr descr="fig/23-mas_SON/unnamed-chunk-12-1.png" id="0" name="Picture 1"/>
-          <p:cNvPicPr>
-            <a:picLocks noGrp="1" noChangeAspect="1"/>
-          </p:cNvPicPr>
-          <p:nvPr/>
-        </p:nvPicPr>
-        <p:blipFill>
-          <a:blip r:embed="rId2"/>
-          <a:stretch>
-            <a:fillRect/>
-          </a:stretch>
-        </p:blipFill>
-        <p:spPr bwMode="auto">
-          <a:xfrm>
-            <a:off x="2057400" y="1600200"/>
-            <a:ext cx="5016500" cy="4013200"/>
-          </a:xfrm>
-          <a:prstGeom prst="rect">
-            <a:avLst/>
-          </a:prstGeom>
-          <a:noFill/>
-          <a:ln w="9525">
-            <a:noFill/>
-            <a:headEnd/>
-            <a:tailEnd/>
-          </a:ln>
-        </p:spPr>
-      </p:pic>
-      <p:sp>
-        <p:nvSpPr>
-          <p:cNvPr id="1" name="TextBox 3"/>
-          <p:cNvSpPr txBox="1"/>
-          <p:nvPr/>
-        </p:nvSpPr>
-        <p:spPr>
-          <a:xfrm>
-            <a:off x="457200" y="5613400"/>
-            <a:ext cx="8229600" cy="508000"/>
-          </a:xfrm>
-          <a:prstGeom prst="rect">
-            <a:avLst/>
-          </a:prstGeom>
-          <a:noFill/>
-        </p:spPr>
-        <p:txBody>
-          <a:bodyPr/>
-          <a:lstStyle/>
-          <a:p>
-            <a:pPr lvl="0" marL="0" indent="0" algn="ctr">
-              <a:buNone/>
-            </a:pPr>
-            <a:r>
-              <a:rPr/>
-              <a:t>Precipitación</a:t>
-            </a:r>
-            <a:r>
-              <a:rPr/>
-              <a:t> </a:t>
-            </a:r>
-            <a:r>
-              <a:rPr/>
-              <a:t>media</a:t>
-            </a:r>
-            <a:r>
-              <a:rPr/>
-              <a:t> </a:t>
-            </a:r>
-            <a:r>
-              <a:rPr/>
-              <a:t>en</a:t>
-            </a:r>
-            <a:r>
-              <a:rPr/>
-              <a:t> </a:t>
-            </a:r>
-            <a:r>
-              <a:rPr/>
-              <a:t>LPB</a:t>
-            </a:r>
-            <a:r>
-              <a:rPr/>
-              <a:t> </a:t>
-            </a:r>
-            <a:r>
-              <a:rPr/>
-              <a:t>(caja</a:t>
-            </a:r>
-            <a:r>
-              <a:rPr/>
-              <a:t> </a:t>
-            </a:r>
-            <a:r>
-              <a:rPr/>
-              <a:t>de</a:t>
-            </a:r>
-            <a:r>
-              <a:rPr/>
-              <a:t> </a:t>
-            </a:r>
-            <a:r>
-              <a:rPr/>
-              <a:t>la</a:t>
-            </a:r>
-            <a:r>
-              <a:rPr/>
-              <a:t> </a:t>
-            </a:r>
-            <a:r>
-              <a:rPr/>
-              <a:t>figura</a:t>
-            </a:r>
-            <a:r>
-              <a:rPr/>
-              <a:t> </a:t>
-            </a:r>
-            <a:r>
-              <a:rPr/>
-              <a:t>anterior)</a:t>
-            </a:r>
-            <a:r>
-              <a:rPr/>
-              <a:t> </a:t>
-            </a:r>
-            <a:r>
-              <a:rPr/>
-              <a:t>en</a:t>
-            </a:r>
-            <a:r>
-              <a:rPr/>
-              <a:t> </a:t>
-            </a:r>
-            <a:r>
-              <a:rPr/>
-              <a:t>función</a:t>
-            </a:r>
-            <a:r>
-              <a:rPr/>
-              <a:t> </a:t>
-            </a:r>
-            <a:r>
-              <a:rPr/>
-              <a:t>de</a:t>
-            </a:r>
-            <a:r>
-              <a:rPr/>
-              <a:t> </a:t>
-            </a:r>
-            <a:r>
-              <a:rPr/>
-              <a:t>parte</a:t>
-            </a:r>
-            <a:r>
-              <a:rPr/>
-              <a:t> </a:t>
-            </a:r>
-            <a:r>
-              <a:rPr/>
-              <a:t>real</a:t>
-            </a:r>
-            <a:r>
-              <a:rPr/>
-              <a:t> </a:t>
-            </a:r>
-            <a:r>
-              <a:rPr/>
-              <a:t>e</a:t>
-            </a:r>
-            <a:r>
-              <a:rPr/>
-              <a:t> </a:t>
-            </a:r>
-            <a:r>
-              <a:rPr/>
-              <a:t>imaginaria</a:t>
-            </a:r>
-            <a:r>
-              <a:rPr/>
-              <a:t> </a:t>
-            </a:r>
-            <a:r>
-              <a:rPr/>
-              <a:t>de</a:t>
-            </a:r>
-            <a:r>
-              <a:rPr/>
-              <a:t> </a:t>
-            </a:r>
-            <a:r>
-              <a:rPr/>
-              <a:t>cada</a:t>
-            </a:r>
-            <a:r>
-              <a:rPr/>
-              <a:t> </a:t>
-            </a:r>
-            <a:r>
-              <a:rPr/>
-              <a:t>PC.</a:t>
-            </a:r>
-          </a:p>
-        </p:txBody>
-      </p:sp>
-    </p:spTree>
-  </p:cSld>
-</p:sld>
-</file>
-
-<file path=ppt/slides/slide7.xml><?xml version="1.0" encoding="utf-8"?>
-<p:sld xmlns:a="http://schemas.openxmlformats.org/drawingml/2006/main" xmlns:r="http://schemas.openxmlformats.org/officeDocument/2006/relationships" xmlns:p="http://schemas.openxmlformats.org/presentationml/2006/main">
-  <p:cSld>
-    <p:spTree>
-      <p:nvGrpSpPr>
-        <p:cNvPr id="1" name=""/>
-        <p:cNvGrpSpPr/>
-        <p:nvPr/>
-      </p:nvGrpSpPr>
-      <p:grpSpPr>
-        <a:xfrm>
-          <a:off x="0" y="0"/>
-          <a:ext cx="0" cy="0"/>
-          <a:chOff x="0" y="0"/>
-          <a:chExt cx="0" cy="0"/>
-        </a:xfrm>
-      </p:grpSpPr>
-      <p:pic>
-        <p:nvPicPr>
-          <p:cNvPr descr="fig/23-mas_SON/unnamed-chunk-13-1.png" id="0" name="Picture 1"/>
-          <p:cNvPicPr>
-            <a:picLocks noGrp="1" noChangeAspect="1"/>
-          </p:cNvPicPr>
-          <p:nvPr/>
-        </p:nvPicPr>
-        <p:blipFill>
-          <a:blip r:embed="rId2"/>
-          <a:stretch>
-            <a:fillRect/>
-          </a:stretch>
-        </p:blipFill>
-        <p:spPr bwMode="auto">
-          <a:xfrm>
-            <a:off x="2057400" y="1600200"/>
-            <a:ext cx="5016500" cy="4013200"/>
-          </a:xfrm>
-          <a:prstGeom prst="rect">
-            <a:avLst/>
-          </a:prstGeom>
-          <a:noFill/>
-          <a:ln w="9525">
-            <a:noFill/>
-            <a:headEnd/>
-            <a:tailEnd/>
-          </a:ln>
-        </p:spPr>
-      </p:pic>
-      <p:sp>
-        <p:nvSpPr>
-          <p:cNvPr id="1" name="TextBox 3"/>
-          <p:cNvSpPr txBox="1"/>
-          <p:nvPr/>
-        </p:nvSpPr>
-        <p:spPr>
-          <a:xfrm>
-            <a:off x="457200" y="5613400"/>
-            <a:ext cx="8229600" cy="508000"/>
-          </a:xfrm>
-          <a:prstGeom prst="rect">
-            <a:avLst/>
-          </a:prstGeom>
-          <a:noFill/>
-        </p:spPr>
-        <p:txBody>
-          <a:bodyPr/>
-          <a:lstStyle/>
-          <a:p>
-            <a:pPr lvl="0" marL="0" indent="0" algn="ctr">
-              <a:buNone/>
-            </a:pPr>
-            <a:r>
-              <a:rPr/>
-              <a:t>Series</a:t>
-            </a:r>
-            <a:r>
-              <a:rPr/>
-              <a:t> </a:t>
-            </a:r>
-            <a:r>
-              <a:rPr/>
-              <a:t>temporales</a:t>
-            </a:r>
-            <a:r>
-              <a:rPr/>
-              <a:t> </a:t>
-            </a:r>
-            <a:r>
-              <a:rPr/>
-              <a:t>de</a:t>
-            </a:r>
-            <a:r>
-              <a:rPr/>
-              <a:t> </a:t>
-            </a:r>
-            <a:r>
-              <a:rPr/>
-              <a:t>precipitación</a:t>
-            </a:r>
-            <a:r>
-              <a:rPr/>
-              <a:t> </a:t>
-            </a:r>
-            <a:r>
-              <a:rPr/>
-              <a:t>en</a:t>
-            </a:r>
-            <a:r>
-              <a:rPr/>
-              <a:t> </a:t>
-            </a:r>
-            <a:r>
-              <a:rPr/>
-              <a:t>LPB</a:t>
-            </a:r>
-            <a:r>
-              <a:rPr/>
-              <a:t> </a:t>
-            </a:r>
-            <a:r>
-              <a:rPr/>
-              <a:t>observadas</a:t>
-            </a:r>
-            <a:r>
-              <a:rPr/>
-              <a:t> </a:t>
-            </a:r>
-            <a:r>
-              <a:rPr/>
-              <a:t>(rojo)</a:t>
-            </a:r>
-            <a:r>
-              <a:rPr/>
-              <a:t> </a:t>
-            </a:r>
-            <a:r>
-              <a:rPr/>
-              <a:t>y</a:t>
-            </a:r>
-            <a:r>
-              <a:rPr/>
-              <a:t> </a:t>
-            </a:r>
-            <a:r>
-              <a:rPr/>
-              <a:t>modeladas</a:t>
-            </a:r>
-            <a:r>
-              <a:rPr/>
-              <a:t> </a:t>
-            </a:r>
-            <a:r>
-              <a:rPr/>
-              <a:t>con</a:t>
-            </a:r>
-            <a:r>
-              <a:rPr/>
-              <a:t> </a:t>
-            </a:r>
-            <a:r>
-              <a:rPr/>
-              <a:t>modelo</a:t>
-            </a:r>
-            <a:r>
-              <a:rPr/>
-              <a:t> </a:t>
-            </a:r>
-            <a:r>
-              <a:rPr/>
-              <a:t>lineal</a:t>
-            </a:r>
-            <a:r>
-              <a:rPr/>
-              <a:t> </a:t>
-            </a:r>
-            <a:r>
-              <a:rPr/>
-              <a:t>(azul).</a:t>
-            </a:r>
-            <a:r>
-              <a:rPr/>
-              <a:t> </a:t>
-            </a:r>
-            <a:r>
-              <a:rPr/>
-              <a:t>El</a:t>
-            </a:r>
-            <a:r>
-              <a:rPr/>
-              <a:t> </a:t>
-            </a:r>
-            <a:r>
-              <a:rPr/>
-              <a:t>modelo</a:t>
-            </a:r>
-            <a:r>
-              <a:rPr/>
-              <a:t> </a:t>
-            </a:r>
-            <a:r>
-              <a:rPr/>
-              <a:t>se</a:t>
-            </a:r>
-            <a:r>
-              <a:rPr/>
-              <a:t> </a:t>
-            </a:r>
-            <a:r>
-              <a:rPr/>
-              <a:t>ajustó</a:t>
-            </a:r>
-            <a:r>
-              <a:rPr/>
-              <a:t> </a:t>
-            </a:r>
-            <a:r>
-              <a:rPr/>
-              <a:t>con</a:t>
-            </a:r>
-            <a:r>
-              <a:rPr/>
-              <a:t> </a:t>
-            </a:r>
-            <a:r>
-              <a:rPr/>
-              <a:t>datos</a:t>
-            </a:r>
-            <a:r>
-              <a:rPr/>
-              <a:t> </a:t>
-            </a:r>
-            <a:r>
-              <a:rPr/>
-              <a:t>anteriores</a:t>
-            </a:r>
-            <a:r>
-              <a:rPr/>
-              <a:t> </a:t>
-            </a:r>
-            <a:r>
-              <a:rPr/>
-              <a:t>a</a:t>
-            </a:r>
-            <a:r>
-              <a:rPr/>
-              <a:t> </a:t>
-            </a:r>
-            <a:r>
-              <a:rPr/>
-              <a:t>2000.</a:t>
-            </a:r>
-            <a:r>
-              <a:rPr/>
-              <a:t> </a:t>
-            </a:r>
-            <a:r>
-              <a:rPr/>
-              <a:t>Se</a:t>
-            </a:r>
-            <a:r>
-              <a:rPr/>
-              <a:t> </a:t>
-            </a:r>
-            <a:r>
-              <a:rPr/>
-              <a:t>muestra</a:t>
-            </a:r>
-            <a:r>
-              <a:rPr/>
-              <a:t> </a:t>
-            </a:r>
-            <a:r>
-              <a:rPr/>
-              <a:t>la</a:t>
-            </a:r>
-            <a:r>
-              <a:rPr/>
-              <a:t> </a:t>
-            </a:r>
-            <a:r>
-              <a:rPr/>
-              <a:t>correlación</a:t>
-            </a:r>
-            <a:r>
-              <a:rPr/>
-              <a:t> </a:t>
-            </a:r>
-            <a:r>
-              <a:rPr/>
-              <a:t>entre</a:t>
-            </a:r>
-            <a:r>
-              <a:rPr/>
-              <a:t> </a:t>
-            </a:r>
-            <a:r>
-              <a:rPr/>
-              <a:t>las</a:t>
-            </a:r>
-            <a:r>
-              <a:rPr/>
-              <a:t> </a:t>
-            </a:r>
-            <a:r>
-              <a:rPr/>
-              <a:t>series</a:t>
-            </a:r>
-            <a:r>
-              <a:rPr/>
-              <a:t> </a:t>
-            </a:r>
-            <a:r>
-              <a:rPr/>
-              <a:t>para</a:t>
-            </a:r>
-            <a:r>
-              <a:rPr/>
-              <a:t> </a:t>
-            </a:r>
-            <a:r>
-              <a:rPr/>
-              <a:t>los</a:t>
-            </a:r>
-            <a:r>
-              <a:rPr/>
-              <a:t> </a:t>
-            </a:r>
-            <a:r>
-              <a:rPr/>
-              <a:t>datos</a:t>
-            </a:r>
-            <a:r>
-              <a:rPr/>
-              <a:t> </a:t>
-            </a:r>
-            <a:r>
-              <a:rPr/>
-              <a:t>posteriores</a:t>
-            </a:r>
-            <a:r>
-              <a:rPr/>
-              <a:t> </a:t>
-            </a:r>
-            <a:r>
-              <a:rPr/>
-              <a:t>a</a:t>
-            </a:r>
-            <a:r>
-              <a:rPr/>
-              <a:t> </a:t>
-            </a:r>
-            <a:r>
-              <a:rPr/>
-              <a:t>2000.</a:t>
-            </a:r>
-          </a:p>
-        </p:txBody>
-      </p:sp>
     </p:spTree>
   </p:cSld>
 </p:sld>

--- a/23-mas_SON.pptx
+++ b/23-mas_SON.pptx
@@ -22,8 +22,6 @@
     <p:sldId id="267" r:id="rId13"/>
     <p:sldId id="268" r:id="rId14"/>
     <p:sldId id="269" r:id="rId15"/>
-    <p:sldId id="270" r:id="rId16"/>
-    <p:sldId id="271" r:id="rId17"/>
   </p:sldIdLst>
   <p:sldSz cx="12189460" cy="6858000"/>
   <p:notesSz cx="9144000" cy="6858000"/>
@@ -4927,123 +4925,17 @@
               <a:rPr/>
               <a:t>Precipitación</a:t>
             </a:r>
-          </a:p>
-        </p:txBody>
-      </p:sp>
-      <p:pic>
-        <p:nvPicPr>
-          <p:cNvPr descr="fig/23-mas_SON/unnamed-chunk-21-1.png" id="0" name="Picture 1"/>
-          <p:cNvPicPr>
-            <a:picLocks noGrp="1" noChangeAspect="1"/>
-          </p:cNvPicPr>
-          <p:nvPr/>
-        </p:nvPicPr>
-        <p:blipFill>
-          <a:blip r:embed="rId2"/>
-          <a:stretch>
-            <a:fillRect/>
-          </a:stretch>
-        </p:blipFill>
-        <p:spPr bwMode="auto">
-          <a:xfrm>
-            <a:off x="977900" y="127000"/>
-            <a:ext cx="10160000" cy="6032500"/>
-          </a:xfrm>
-          <a:prstGeom prst="rect">
-            <a:avLst/>
-          </a:prstGeom>
-          <a:noFill/>
-          <a:ln w="9525">
-            <a:noFill/>
-            <a:headEnd/>
-            <a:tailEnd/>
-          </a:ln>
-        </p:spPr>
-      </p:pic>
-      <p:sp>
-        <p:nvSpPr>
-          <p:cNvPr id="1" name="TextBox 3"/>
-          <p:cNvSpPr txBox="1"/>
-          <p:nvPr/>
-        </p:nvSpPr>
-        <p:spPr>
-          <a:xfrm>
-            <a:off x="177800" y="6159500"/>
-            <a:ext cx="11772900" cy="508000"/>
-          </a:xfrm>
-          <a:prstGeom prst="rect">
-            <a:avLst/>
-          </a:prstGeom>
-          <a:noFill/>
-        </p:spPr>
-        <p:txBody>
-          <a:bodyPr/>
-          <a:lstStyle/>
-          <a:p>
-            <a:pPr lvl="0" marL="0" indent="0" algn="ctr">
-              <a:buNone/>
-            </a:pPr>
-            <a:r>
-              <a:rPr/>
-              <a:t>Regresión</a:t>
-            </a:r>
-            <a:r>
-              <a:rPr/>
-              <a:t> </a:t>
-            </a:r>
-            <a:r>
-              <a:rPr/>
-              <a:t>con</a:t>
-            </a:r>
-            <a:r>
-              <a:rPr/>
-              <a:t> </a:t>
-            </a:r>
-            <a:r>
-              <a:rPr/>
-              <a:t>precipitación</a:t>
-            </a:r>
-            <a:r>
-              <a:rPr/>
-              <a:t> </a:t>
-            </a:r>
-            <a:r>
-              <a:rPr/>
-              <a:t>en</a:t>
-            </a:r>
-            <a:r>
-              <a:rPr/>
-              <a:t> </a:t>
-            </a:r>
-            <a:r>
-              <a:rPr/>
-              <a:t>sudamérica</a:t>
-            </a:r>
-          </a:p>
-        </p:txBody>
-      </p:sp>
-    </p:spTree>
-  </p:cSld>
-</p:sld>
-</file>
-
-<file path=ppt/slides/slide11.xml><?xml version="1.0" encoding="utf-8"?>
-<p:sld xmlns:a="http://schemas.openxmlformats.org/drawingml/2006/main" xmlns:r="http://schemas.openxmlformats.org/officeDocument/2006/relationships" xmlns:p="http://schemas.openxmlformats.org/presentationml/2006/main">
-  <p:cSld>
-    <p:spTree>
-      <p:nvGrpSpPr>
-        <p:cNvPr id="1" name=""/>
-        <p:cNvGrpSpPr/>
-        <p:nvPr/>
-      </p:nvGrpSpPr>
-      <p:grpSpPr>
-        <a:xfrm>
-          <a:off x="0" y="0"/>
-          <a:ext cx="0" cy="0"/>
-          <a:chOff x="0" y="0"/>
-          <a:chExt cx="0" cy="0"/>
-        </a:xfrm>
-      </p:grpSpPr>
+            <a:r>
+              <a:rPr/>
+              <a:t> </a:t>
+            </a:r>
+            <a:r>
+              <a:rPr/>
+              <a:t>(CMAP)</a:t>
+            </a:r>
+          </a:p>
+        </p:txBody>
+      </p:sp>
       <p:pic>
         <p:nvPicPr>
           <p:cNvPr descr="fig/23-mas_SON/unnamed-chunk-22-1.png" id="0" name="Picture 1"/>
@@ -5060,8 +4952,8 @@
         </p:blipFill>
         <p:spPr bwMode="auto">
           <a:xfrm>
-            <a:off x="558800" y="127000"/>
-            <a:ext cx="11023600" cy="6540500"/>
+            <a:off x="977900" y="127000"/>
+            <a:ext cx="10160000" cy="6032500"/>
           </a:xfrm>
           <a:prstGeom prst="rect">
             <a:avLst/>
@@ -5074,238 +4966,74 @@
           </a:ln>
         </p:spPr>
       </p:pic>
+      <p:sp>
+        <p:nvSpPr>
+          <p:cNvPr id="1" name="TextBox 3"/>
+          <p:cNvSpPr txBox="1"/>
+          <p:nvPr/>
+        </p:nvSpPr>
+        <p:spPr>
+          <a:xfrm>
+            <a:off x="177800" y="6159500"/>
+            <a:ext cx="11772900" cy="508000"/>
+          </a:xfrm>
+          <a:prstGeom prst="rect">
+            <a:avLst/>
+          </a:prstGeom>
+          <a:noFill/>
+        </p:spPr>
+        <p:txBody>
+          <a:bodyPr/>
+          <a:lstStyle/>
+          <a:p>
+            <a:pPr lvl="0" marL="0" indent="0" algn="ctr">
+              <a:buNone/>
+            </a:pPr>
+            <a:r>
+              <a:rPr/>
+              <a:t>Regresión</a:t>
+            </a:r>
+            <a:r>
+              <a:rPr/>
+              <a:t> </a:t>
+            </a:r>
+            <a:r>
+              <a:rPr/>
+              <a:t>con</a:t>
+            </a:r>
+            <a:r>
+              <a:rPr/>
+              <a:t> </a:t>
+            </a:r>
+            <a:r>
+              <a:rPr/>
+              <a:t>precipitación</a:t>
+            </a:r>
+            <a:r>
+              <a:rPr/>
+              <a:t> </a:t>
+            </a:r>
+            <a:r>
+              <a:rPr/>
+              <a:t>en</a:t>
+            </a:r>
+            <a:r>
+              <a:rPr/>
+              <a:t> </a:t>
+            </a:r>
+            <a:r>
+              <a:rPr/>
+              <a:t>sudamérica.</a:t>
+            </a:r>
+          </a:p>
+        </p:txBody>
+      </p:sp>
     </p:spTree>
   </p:cSld>
 </p:sld>
 </file>
 
-<file path=ppt/slides/slide12.xml><?xml version="1.0" encoding="utf-8"?>
-<p:sld xmlns:a="http://schemas.openxmlformats.org/drawingml/2006/main" xmlns:r="http://schemas.openxmlformats.org/officeDocument/2006/relationships" xmlns:p="http://schemas.openxmlformats.org/presentationml/2006/main">
-  <p:cSld>
-    <p:spTree>
-      <p:nvGrpSpPr>
-        <p:cNvPr id="1" name=""/>
-        <p:cNvGrpSpPr/>
-        <p:nvPr/>
-      </p:nvGrpSpPr>
-      <p:grpSpPr>
-        <a:xfrm>
-          <a:off x="0" y="0"/>
-          <a:ext cx="0" cy="0"/>
-          <a:chOff x="0" y="0"/>
-          <a:chExt cx="0" cy="0"/>
-        </a:xfrm>
-      </p:grpSpPr>
-      <p:pic>
-        <p:nvPicPr>
-          <p:cNvPr descr="fig/23-mas_SON/unnamed-chunk-23-1.png" id="0" name="Picture 1"/>
-          <p:cNvPicPr>
-            <a:picLocks noGrp="1" noChangeAspect="1"/>
-          </p:cNvPicPr>
-          <p:nvPr/>
-        </p:nvPicPr>
-        <p:blipFill>
-          <a:blip r:embed="rId2"/>
-          <a:stretch>
-            <a:fillRect/>
-          </a:stretch>
-        </p:blipFill>
-        <p:spPr bwMode="auto">
-          <a:xfrm>
-            <a:off x="977900" y="127000"/>
-            <a:ext cx="10160000" cy="6032500"/>
-          </a:xfrm>
-          <a:prstGeom prst="rect">
-            <a:avLst/>
-          </a:prstGeom>
-          <a:noFill/>
-          <a:ln w="9525">
-            <a:noFill/>
-            <a:headEnd/>
-            <a:tailEnd/>
-          </a:ln>
-        </p:spPr>
-      </p:pic>
-      <p:sp>
-        <p:nvSpPr>
-          <p:cNvPr id="1" name="TextBox 3"/>
-          <p:cNvSpPr txBox="1"/>
-          <p:nvPr/>
-        </p:nvSpPr>
-        <p:spPr>
-          <a:xfrm>
-            <a:off x="177800" y="6159500"/>
-            <a:ext cx="11772900" cy="508000"/>
-          </a:xfrm>
-          <a:prstGeom prst="rect">
-            <a:avLst/>
-          </a:prstGeom>
-          <a:noFill/>
-        </p:spPr>
-        <p:txBody>
-          <a:bodyPr/>
-          <a:lstStyle/>
-          <a:p>
-            <a:pPr lvl="0" marL="0" indent="0" algn="ctr">
-              <a:buNone/>
-            </a:pPr>
-            <a:r>
-              <a:rPr/>
-              <a:t>Precipitación</a:t>
-            </a:r>
-            <a:r>
-              <a:rPr/>
-              <a:t> </a:t>
-            </a:r>
-            <a:r>
-              <a:rPr/>
-              <a:t>media</a:t>
-            </a:r>
-            <a:r>
-              <a:rPr/>
-              <a:t> </a:t>
-            </a:r>
-            <a:r>
-              <a:rPr/>
-              <a:t>en</a:t>
-            </a:r>
-            <a:r>
-              <a:rPr/>
-              <a:t> </a:t>
-            </a:r>
-            <a:r>
-              <a:rPr/>
-              <a:t>LPB</a:t>
-            </a:r>
-            <a:r>
-              <a:rPr/>
-              <a:t> </a:t>
-            </a:r>
-            <a:r>
-              <a:rPr/>
-              <a:t>(caja</a:t>
-            </a:r>
-            <a:r>
-              <a:rPr/>
-              <a:t> </a:t>
-            </a:r>
-            <a:r>
-              <a:rPr/>
-              <a:t>de</a:t>
-            </a:r>
-            <a:r>
-              <a:rPr/>
-              <a:t> </a:t>
-            </a:r>
-            <a:r>
-              <a:rPr/>
-              <a:t>la</a:t>
-            </a:r>
-            <a:r>
-              <a:rPr/>
-              <a:t> </a:t>
-            </a:r>
-            <a:r>
-              <a:rPr/>
-              <a:t>figura</a:t>
-            </a:r>
-            <a:r>
-              <a:rPr/>
-              <a:t> </a:t>
-            </a:r>
-            <a:r>
-              <a:rPr/>
-              <a:t>anterior)</a:t>
-            </a:r>
-            <a:r>
-              <a:rPr/>
-              <a:t> </a:t>
-            </a:r>
-            <a:r>
-              <a:rPr/>
-              <a:t>en</a:t>
-            </a:r>
-            <a:r>
-              <a:rPr/>
-              <a:t> </a:t>
-            </a:r>
-            <a:r>
-              <a:rPr/>
-              <a:t>función</a:t>
-            </a:r>
-            <a:r>
-              <a:rPr/>
-              <a:t> </a:t>
-            </a:r>
-            <a:r>
-              <a:rPr/>
-              <a:t>de</a:t>
-            </a:r>
-            <a:r>
-              <a:rPr/>
-              <a:t> </a:t>
-            </a:r>
-            <a:r>
-              <a:rPr/>
-              <a:t>parte</a:t>
-            </a:r>
-            <a:r>
-              <a:rPr/>
-              <a:t> </a:t>
-            </a:r>
-            <a:r>
-              <a:rPr/>
-              <a:t>real</a:t>
-            </a:r>
-            <a:r>
-              <a:rPr/>
-              <a:t> </a:t>
-            </a:r>
-            <a:r>
-              <a:rPr/>
-              <a:t>e</a:t>
-            </a:r>
-            <a:r>
-              <a:rPr/>
-              <a:t> </a:t>
-            </a:r>
-            <a:r>
-              <a:rPr/>
-              <a:t>imaginaria</a:t>
-            </a:r>
-            <a:r>
-              <a:rPr/>
-              <a:t> </a:t>
-            </a:r>
-            <a:r>
-              <a:rPr/>
-              <a:t>de</a:t>
-            </a:r>
-            <a:r>
-              <a:rPr/>
-              <a:t> </a:t>
-            </a:r>
-            <a:r>
-              <a:rPr/>
-              <a:t>cada</a:t>
-            </a:r>
-            <a:r>
-              <a:rPr/>
-              <a:t> </a:t>
-            </a:r>
-            <a:r>
-              <a:rPr/>
-              <a:t>PC.</a:t>
-            </a:r>
-          </a:p>
-        </p:txBody>
-      </p:sp>
-    </p:spTree>
-  </p:cSld>
-</p:sld>
-</file>
-
-<file path=ppt/slides/slide13.xml><?xml version="1.0" encoding="utf-8"?>
+<file path=ppt/slides/slide11.xml><?xml version="1.0" encoding="utf-8"?>
 <p:sld xmlns:a="http://schemas.openxmlformats.org/drawingml/2006/main" xmlns:r="http://schemas.openxmlformats.org/officeDocument/2006/relationships" xmlns:p="http://schemas.openxmlformats.org/presentationml/2006/main">
   <p:cSld>
     <p:spTree>
@@ -5377,15 +5105,39 @@
             </a:pPr>
             <a:r>
               <a:rPr/>
-              <a:t>Series</a:t>
-            </a:r>
-            <a:r>
-              <a:rPr/>
-              <a:t> </a:t>
-            </a:r>
-            <a:r>
-              <a:rPr/>
-              <a:t>temporales</a:t>
+              <a:t>Precipitación</a:t>
+            </a:r>
+            <a:r>
+              <a:rPr/>
+              <a:t> </a:t>
+            </a:r>
+            <a:r>
+              <a:rPr/>
+              <a:t>media</a:t>
+            </a:r>
+            <a:r>
+              <a:rPr/>
+              <a:t> </a:t>
+            </a:r>
+            <a:r>
+              <a:rPr/>
+              <a:t>en</a:t>
+            </a:r>
+            <a:r>
+              <a:rPr/>
+              <a:t> </a:t>
+            </a:r>
+            <a:r>
+              <a:rPr/>
+              <a:t>LPB</a:t>
+            </a:r>
+            <a:r>
+              <a:rPr/>
+              <a:t> </a:t>
+            </a:r>
+            <a:r>
+              <a:rPr/>
+              <a:t>(caja</a:t>
             </a:r>
             <a:r>
               <a:rPr/>
@@ -5401,7 +5153,23 @@
             </a:r>
             <a:r>
               <a:rPr/>
-              <a:t>precipitación</a:t>
+              <a:t>la</a:t>
+            </a:r>
+            <a:r>
+              <a:rPr/>
+              <a:t> </a:t>
+            </a:r>
+            <a:r>
+              <a:rPr/>
+              <a:t>figura</a:t>
+            </a:r>
+            <a:r>
+              <a:rPr/>
+              <a:t> </a:t>
+            </a:r>
+            <a:r>
+              <a:rPr/>
+              <a:t>anterior)</a:t>
             </a:r>
             <a:r>
               <a:rPr/>
@@ -5417,247 +5185,71 @@
             </a:r>
             <a:r>
               <a:rPr/>
-              <a:t>LPB</a:t>
-            </a:r>
-            <a:r>
-              <a:rPr/>
-              <a:t> </a:t>
-            </a:r>
-            <a:r>
-              <a:rPr/>
-              <a:t>observadas</a:t>
-            </a:r>
-            <a:r>
-              <a:rPr/>
-              <a:t> </a:t>
-            </a:r>
-            <a:r>
-              <a:rPr/>
-              <a:t>(rojo)</a:t>
-            </a:r>
-            <a:r>
-              <a:rPr/>
-              <a:t> </a:t>
-            </a:r>
-            <a:r>
-              <a:rPr/>
-              <a:t>y</a:t>
-            </a:r>
-            <a:r>
-              <a:rPr/>
-              <a:t> </a:t>
-            </a:r>
-            <a:r>
-              <a:rPr/>
-              <a:t>modeladas</a:t>
-            </a:r>
-            <a:r>
-              <a:rPr/>
-              <a:t> </a:t>
-            </a:r>
-            <a:r>
-              <a:rPr/>
-              <a:t>con</a:t>
-            </a:r>
-            <a:r>
-              <a:rPr/>
-              <a:t> </a:t>
-            </a:r>
-            <a:r>
-              <a:rPr/>
-              <a:t>modelo</a:t>
-            </a:r>
-            <a:r>
-              <a:rPr/>
-              <a:t> </a:t>
-            </a:r>
-            <a:r>
-              <a:rPr/>
-              <a:t>lineal</a:t>
-            </a:r>
-            <a:r>
-              <a:rPr/>
-              <a:t> </a:t>
-            </a:r>
-            <a:r>
-              <a:rPr/>
-              <a:t>(azul).</a:t>
-            </a:r>
-            <a:r>
-              <a:rPr/>
-              <a:t> </a:t>
-            </a:r>
-            <a:r>
-              <a:rPr/>
-              <a:t>El</a:t>
-            </a:r>
-            <a:r>
-              <a:rPr/>
-              <a:t> </a:t>
-            </a:r>
-            <a:r>
-              <a:rPr/>
-              <a:t>modelo</a:t>
-            </a:r>
-            <a:r>
-              <a:rPr/>
-              <a:t> </a:t>
-            </a:r>
-            <a:r>
-              <a:rPr/>
-              <a:t>se</a:t>
-            </a:r>
-            <a:r>
-              <a:rPr/>
-              <a:t> </a:t>
-            </a:r>
-            <a:r>
-              <a:rPr/>
-              <a:t>ajustó</a:t>
-            </a:r>
-            <a:r>
-              <a:rPr/>
-              <a:t> </a:t>
-            </a:r>
-            <a:r>
-              <a:rPr/>
-              <a:t>con</a:t>
-            </a:r>
-            <a:r>
-              <a:rPr/>
-              <a:t> </a:t>
-            </a:r>
-            <a:r>
-              <a:rPr/>
-              <a:t>datos</a:t>
-            </a:r>
-            <a:r>
-              <a:rPr/>
-              <a:t> </a:t>
-            </a:r>
-            <a:r>
-              <a:rPr/>
-              <a:t>anteriores</a:t>
-            </a:r>
-            <a:r>
-              <a:rPr/>
-              <a:t> </a:t>
-            </a:r>
-            <a:r>
-              <a:rPr/>
-              <a:t>a</a:t>
-            </a:r>
-            <a:r>
-              <a:rPr/>
-              <a:t> </a:t>
-            </a:r>
-            <a:r>
-              <a:rPr/>
-              <a:t>2000.</a:t>
-            </a:r>
-            <a:r>
-              <a:rPr/>
-              <a:t> </a:t>
-            </a:r>
-            <a:r>
-              <a:rPr/>
-              <a:t>Se</a:t>
-            </a:r>
-            <a:r>
-              <a:rPr/>
-              <a:t> </a:t>
-            </a:r>
-            <a:r>
-              <a:rPr/>
-              <a:t>muestra</a:t>
-            </a:r>
-            <a:r>
-              <a:rPr/>
-              <a:t> </a:t>
-            </a:r>
-            <a:r>
-              <a:rPr/>
-              <a:t>la</a:t>
-            </a:r>
-            <a:r>
-              <a:rPr/>
-              <a:t> </a:t>
-            </a:r>
-            <a:r>
-              <a:rPr/>
-              <a:t>correlación</a:t>
-            </a:r>
-            <a:r>
-              <a:rPr/>
-              <a:t> </a:t>
-            </a:r>
-            <a:r>
-              <a:rPr/>
-              <a:t>entre</a:t>
-            </a:r>
-            <a:r>
-              <a:rPr/>
-              <a:t> </a:t>
-            </a:r>
-            <a:r>
-              <a:rPr/>
-              <a:t>las</a:t>
-            </a:r>
-            <a:r>
-              <a:rPr/>
-              <a:t> </a:t>
-            </a:r>
-            <a:r>
-              <a:rPr/>
-              <a:t>series</a:t>
-            </a:r>
-            <a:r>
-              <a:rPr/>
-              <a:t> </a:t>
-            </a:r>
-            <a:r>
-              <a:rPr/>
-              <a:t>para</a:t>
-            </a:r>
-            <a:r>
-              <a:rPr/>
-              <a:t> </a:t>
-            </a:r>
-            <a:r>
-              <a:rPr/>
-              <a:t>los</a:t>
-            </a:r>
-            <a:r>
-              <a:rPr/>
-              <a:t> </a:t>
-            </a:r>
-            <a:r>
-              <a:rPr/>
-              <a:t>datos</a:t>
-            </a:r>
-            <a:r>
-              <a:rPr/>
-              <a:t> </a:t>
-            </a:r>
-            <a:r>
-              <a:rPr/>
-              <a:t>posteriores</a:t>
-            </a:r>
-            <a:r>
-              <a:rPr/>
-              <a:t> </a:t>
-            </a:r>
-            <a:r>
-              <a:rPr/>
-              <a:t>a</a:t>
-            </a:r>
-            <a:r>
-              <a:rPr/>
-              <a:t> </a:t>
-            </a:r>
-            <a:r>
-              <a:rPr/>
-              <a:t>2000.</a:t>
+              <a:t>función</a:t>
+            </a:r>
+            <a:r>
+              <a:rPr/>
+              <a:t> </a:t>
+            </a:r>
+            <a:r>
+              <a:rPr/>
+              <a:t>de</a:t>
+            </a:r>
+            <a:r>
+              <a:rPr/>
+              <a:t> </a:t>
+            </a:r>
+            <a:r>
+              <a:rPr/>
+              <a:t>parte</a:t>
+            </a:r>
+            <a:r>
+              <a:rPr/>
+              <a:t> </a:t>
+            </a:r>
+            <a:r>
+              <a:rPr/>
+              <a:t>real</a:t>
+            </a:r>
+            <a:r>
+              <a:rPr/>
+              <a:t> </a:t>
+            </a:r>
+            <a:r>
+              <a:rPr/>
+              <a:t>e</a:t>
+            </a:r>
+            <a:r>
+              <a:rPr/>
+              <a:t> </a:t>
+            </a:r>
+            <a:r>
+              <a:rPr/>
+              <a:t>imaginaria</a:t>
+            </a:r>
+            <a:r>
+              <a:rPr/>
+              <a:t> </a:t>
+            </a:r>
+            <a:r>
+              <a:rPr/>
+              <a:t>de</a:t>
+            </a:r>
+            <a:r>
+              <a:rPr/>
+              <a:t> </a:t>
+            </a:r>
+            <a:r>
+              <a:rPr/>
+              <a:t>cada</a:t>
+            </a:r>
+            <a:r>
+              <a:rPr/>
+              <a:t> </a:t>
+            </a:r>
+            <a:r>
+              <a:rPr/>
+              <a:t>PC.</a:t>
             </a:r>
           </a:p>
         </p:txBody>
@@ -5667,7 +5259,7 @@
 </p:sld>
 </file>
 
-<file path=ppt/slides/slide14.xml><?xml version="1.0" encoding="utf-8"?>
+<file path=ppt/slides/slide12.xml><?xml version="1.0" encoding="utf-8"?>
 <p:sld xmlns:a="http://schemas.openxmlformats.org/drawingml/2006/main" xmlns:r="http://schemas.openxmlformats.org/officeDocument/2006/relationships" xmlns:p="http://schemas.openxmlformats.org/presentationml/2006/main">
   <p:cSld>
     <p:spTree>
@@ -5684,6 +5276,52 @@
           <a:chExt cx="0" cy="0"/>
         </a:xfrm>
       </p:grpSpPr>
+      <p:sp>
+        <p:nvSpPr>
+          <p:cNvPr id="2" name="Title 1"/>
+          <p:cNvSpPr>
+            <a:spLocks noGrp="1"/>
+          </p:cNvSpPr>
+          <p:nvPr>
+            <p:ph type="title"/>
+          </p:nvPr>
+        </p:nvSpPr>
+        <p:spPr>
+          <a:xfrm>
+            <a:off x="838035" y="231845"/>
+            <a:ext cx="10513530" cy="315912"/>
+          </a:xfrm>
+        </p:spPr>
+        <p:txBody>
+          <a:bodyPr/>
+          <a:lstStyle/>
+          <a:p>
+            <a:pPr lvl="0" marL="0" indent="0">
+              <a:buNone/>
+            </a:pPr>
+            <a:r>
+              <a:rPr/>
+              <a:t>Predicción</a:t>
+            </a:r>
+            <a:r>
+              <a:rPr/>
+              <a:t> </a:t>
+            </a:r>
+            <a:r>
+              <a:rPr/>
+              <a:t>de</a:t>
+            </a:r>
+            <a:r>
+              <a:rPr/>
+              <a:t> </a:t>
+            </a:r>
+            <a:r>
+              <a:rPr/>
+              <a:t>precipitación</a:t>
+            </a:r>
+          </a:p>
+        </p:txBody>
+      </p:sp>
       <p:pic>
         <p:nvPicPr>
           <p:cNvPr descr="fig/23-mas_SON/unnamed-chunk-25-1.png" id="0" name="Picture 1"/>
@@ -5700,8 +5338,8 @@
         </p:blipFill>
         <p:spPr bwMode="auto">
           <a:xfrm>
-            <a:off x="558800" y="127000"/>
-            <a:ext cx="11023600" cy="6540500"/>
+            <a:off x="977900" y="127000"/>
+            <a:ext cx="10160000" cy="6032500"/>
           </a:xfrm>
           <a:prstGeom prst="rect">
             <a:avLst/>
@@ -5714,12 +5352,74 @@
           </a:ln>
         </p:spPr>
       </p:pic>
+      <p:sp>
+        <p:nvSpPr>
+          <p:cNvPr id="1" name="TextBox 3"/>
+          <p:cNvSpPr txBox="1"/>
+          <p:nvPr/>
+        </p:nvSpPr>
+        <p:spPr>
+          <a:xfrm>
+            <a:off x="177800" y="6159500"/>
+            <a:ext cx="11772900" cy="508000"/>
+          </a:xfrm>
+          <a:prstGeom prst="rect">
+            <a:avLst/>
+          </a:prstGeom>
+          <a:noFill/>
+        </p:spPr>
+        <p:txBody>
+          <a:bodyPr/>
+          <a:lstStyle/>
+          <a:p>
+            <a:pPr lvl="0" marL="0" indent="0" algn="ctr">
+              <a:buNone/>
+            </a:pPr>
+            <a:r>
+              <a:rPr/>
+              <a:t>Regresión</a:t>
+            </a:r>
+            <a:r>
+              <a:rPr/>
+              <a:t> </a:t>
+            </a:r>
+            <a:r>
+              <a:rPr/>
+              <a:t>con</a:t>
+            </a:r>
+            <a:r>
+              <a:rPr/>
+              <a:t> </a:t>
+            </a:r>
+            <a:r>
+              <a:rPr/>
+              <a:t>precipitación</a:t>
+            </a:r>
+            <a:r>
+              <a:rPr/>
+              <a:t> </a:t>
+            </a:r>
+            <a:r>
+              <a:rPr/>
+              <a:t>en</a:t>
+            </a:r>
+            <a:r>
+              <a:rPr/>
+              <a:t> </a:t>
+            </a:r>
+            <a:r>
+              <a:rPr/>
+              <a:t>sudamérica.</a:t>
+            </a:r>
+          </a:p>
+        </p:txBody>
+      </p:sp>
     </p:spTree>
   </p:cSld>
 </p:sld>
 </file>
 
-<file path=ppt/slides/slide15.xml><?xml version="1.0" encoding="utf-8"?>
+<file path=ppt/slides/slide13.xml><?xml version="1.0" encoding="utf-8"?>
 <p:sld xmlns:a="http://schemas.openxmlformats.org/drawingml/2006/main" xmlns:r="http://schemas.openxmlformats.org/officeDocument/2006/relationships" xmlns:p="http://schemas.openxmlformats.org/presentationml/2006/main">
   <p:cSld>
     <p:spTree>
@@ -5771,7 +5471,7 @@
 </p:sld>
 </file>
 
-<file path=ppt/slides/slide16.xml><?xml version="1.0" encoding="utf-8"?>
+<file path=ppt/slides/slide14.xml><?xml version="1.0" encoding="utf-8"?>
 <p:sld xmlns:a="http://schemas.openxmlformats.org/drawingml/2006/main" xmlns:r="http://schemas.openxmlformats.org/officeDocument/2006/relationships" xmlns:p="http://schemas.openxmlformats.org/presentationml/2006/main">
   <p:cSld>
     <p:spTree>
@@ -5804,8 +5504,8 @@
         </p:blipFill>
         <p:spPr bwMode="auto">
           <a:xfrm>
-            <a:off x="558800" y="127000"/>
-            <a:ext cx="11023600" cy="6540500"/>
+            <a:off x="977900" y="127000"/>
+            <a:ext cx="10160000" cy="6032500"/>
           </a:xfrm>
           <a:prstGeom prst="rect">
             <a:avLst/>
@@ -5818,6 +5518,316 @@
           </a:ln>
         </p:spPr>
       </p:pic>
+      <p:sp>
+        <p:nvSpPr>
+          <p:cNvPr id="1" name="TextBox 3"/>
+          <p:cNvSpPr txBox="1"/>
+          <p:nvPr/>
+        </p:nvSpPr>
+        <p:spPr>
+          <a:xfrm>
+            <a:off x="177800" y="6159500"/>
+            <a:ext cx="11772900" cy="508000"/>
+          </a:xfrm>
+          <a:prstGeom prst="rect">
+            <a:avLst/>
+          </a:prstGeom>
+          <a:noFill/>
+        </p:spPr>
+        <p:txBody>
+          <a:bodyPr/>
+          <a:lstStyle/>
+          <a:p>
+            <a:pPr lvl="0" marL="0" indent="0" algn="ctr">
+              <a:buNone/>
+            </a:pPr>
+            <a:r>
+              <a:rPr/>
+              <a:t>Series</a:t>
+            </a:r>
+            <a:r>
+              <a:rPr/>
+              <a:t> </a:t>
+            </a:r>
+            <a:r>
+              <a:rPr/>
+              <a:t>temporales</a:t>
+            </a:r>
+            <a:r>
+              <a:rPr/>
+              <a:t> </a:t>
+            </a:r>
+            <a:r>
+              <a:rPr/>
+              <a:t>de</a:t>
+            </a:r>
+            <a:r>
+              <a:rPr/>
+              <a:t> </a:t>
+            </a:r>
+            <a:r>
+              <a:rPr/>
+              <a:t>precipitación</a:t>
+            </a:r>
+            <a:r>
+              <a:rPr/>
+              <a:t> </a:t>
+            </a:r>
+            <a:r>
+              <a:rPr/>
+              <a:t>en</a:t>
+            </a:r>
+            <a:r>
+              <a:rPr/>
+              <a:t> </a:t>
+            </a:r>
+            <a:r>
+              <a:rPr/>
+              <a:t>LPB</a:t>
+            </a:r>
+            <a:r>
+              <a:rPr/>
+              <a:t> </a:t>
+            </a:r>
+            <a:r>
+              <a:rPr/>
+              <a:t>observadas</a:t>
+            </a:r>
+            <a:r>
+              <a:rPr/>
+              <a:t> </a:t>
+            </a:r>
+            <a:r>
+              <a:rPr/>
+              <a:t>(rojo)</a:t>
+            </a:r>
+            <a:r>
+              <a:rPr/>
+              <a:t> </a:t>
+            </a:r>
+            <a:r>
+              <a:rPr/>
+              <a:t>y</a:t>
+            </a:r>
+            <a:r>
+              <a:rPr/>
+              <a:t> </a:t>
+            </a:r>
+            <a:r>
+              <a:rPr/>
+              <a:t>modeladas</a:t>
+            </a:r>
+            <a:r>
+              <a:rPr/>
+              <a:t> </a:t>
+            </a:r>
+            <a:r>
+              <a:rPr/>
+              <a:t>con</a:t>
+            </a:r>
+            <a:r>
+              <a:rPr/>
+              <a:t> </a:t>
+            </a:r>
+            <a:r>
+              <a:rPr/>
+              <a:t>modelo</a:t>
+            </a:r>
+            <a:r>
+              <a:rPr/>
+              <a:t> </a:t>
+            </a:r>
+            <a:r>
+              <a:rPr/>
+              <a:t>lineal</a:t>
+            </a:r>
+            <a:r>
+              <a:rPr/>
+              <a:t> </a:t>
+            </a:r>
+            <a:r>
+              <a:rPr/>
+              <a:t>(azul).</a:t>
+            </a:r>
+            <a:r>
+              <a:rPr/>
+              <a:t> </a:t>
+            </a:r>
+            <a:r>
+              <a:rPr/>
+              <a:t>El</a:t>
+            </a:r>
+            <a:r>
+              <a:rPr/>
+              <a:t> </a:t>
+            </a:r>
+            <a:r>
+              <a:rPr/>
+              <a:t>modelo</a:t>
+            </a:r>
+            <a:r>
+              <a:rPr/>
+              <a:t> </a:t>
+            </a:r>
+            <a:r>
+              <a:rPr/>
+              <a:t>se</a:t>
+            </a:r>
+            <a:r>
+              <a:rPr/>
+              <a:t> </a:t>
+            </a:r>
+            <a:r>
+              <a:rPr/>
+              <a:t>ajustó</a:t>
+            </a:r>
+            <a:r>
+              <a:rPr/>
+              <a:t> </a:t>
+            </a:r>
+            <a:r>
+              <a:rPr/>
+              <a:t>con</a:t>
+            </a:r>
+            <a:r>
+              <a:rPr/>
+              <a:t> </a:t>
+            </a:r>
+            <a:r>
+              <a:rPr/>
+              <a:t>datos</a:t>
+            </a:r>
+            <a:r>
+              <a:rPr/>
+              <a:t> </a:t>
+            </a:r>
+            <a:r>
+              <a:rPr/>
+              <a:t>anteriores</a:t>
+            </a:r>
+            <a:r>
+              <a:rPr/>
+              <a:t> </a:t>
+            </a:r>
+            <a:r>
+              <a:rPr/>
+              <a:t>a</a:t>
+            </a:r>
+            <a:r>
+              <a:rPr/>
+              <a:t> </a:t>
+            </a:r>
+            <a:r>
+              <a:rPr/>
+              <a:t>2000.</a:t>
+            </a:r>
+            <a:r>
+              <a:rPr/>
+              <a:t> </a:t>
+            </a:r>
+            <a:r>
+              <a:rPr/>
+              <a:t>Se</a:t>
+            </a:r>
+            <a:r>
+              <a:rPr/>
+              <a:t> </a:t>
+            </a:r>
+            <a:r>
+              <a:rPr/>
+              <a:t>muestra</a:t>
+            </a:r>
+            <a:r>
+              <a:rPr/>
+              <a:t> </a:t>
+            </a:r>
+            <a:r>
+              <a:rPr/>
+              <a:t>la</a:t>
+            </a:r>
+            <a:r>
+              <a:rPr/>
+              <a:t> </a:t>
+            </a:r>
+            <a:r>
+              <a:rPr/>
+              <a:t>correlación</a:t>
+            </a:r>
+            <a:r>
+              <a:rPr/>
+              <a:t> </a:t>
+            </a:r>
+            <a:r>
+              <a:rPr/>
+              <a:t>entre</a:t>
+            </a:r>
+            <a:r>
+              <a:rPr/>
+              <a:t> </a:t>
+            </a:r>
+            <a:r>
+              <a:rPr/>
+              <a:t>las</a:t>
+            </a:r>
+            <a:r>
+              <a:rPr/>
+              <a:t> </a:t>
+            </a:r>
+            <a:r>
+              <a:rPr/>
+              <a:t>series</a:t>
+            </a:r>
+            <a:r>
+              <a:rPr/>
+              <a:t> </a:t>
+            </a:r>
+            <a:r>
+              <a:rPr/>
+              <a:t>para</a:t>
+            </a:r>
+            <a:r>
+              <a:rPr/>
+              <a:t> </a:t>
+            </a:r>
+            <a:r>
+              <a:rPr/>
+              <a:t>los</a:t>
+            </a:r>
+            <a:r>
+              <a:rPr/>
+              <a:t> </a:t>
+            </a:r>
+            <a:r>
+              <a:rPr/>
+              <a:t>datos</a:t>
+            </a:r>
+            <a:r>
+              <a:rPr/>
+              <a:t> </a:t>
+            </a:r>
+            <a:r>
+              <a:rPr/>
+              <a:t>posteriores</a:t>
+            </a:r>
+            <a:r>
+              <a:rPr/>
+              <a:t> </a:t>
+            </a:r>
+            <a:r>
+              <a:rPr/>
+              <a:t>a</a:t>
+            </a:r>
+            <a:r>
+              <a:rPr/>
+              <a:t> </a:t>
+            </a:r>
+            <a:r>
+              <a:rPr/>
+              <a:t>2000.</a:t>
+            </a:r>
+          </a:p>
+        </p:txBody>
+      </p:sp>
     </p:spTree>
   </p:cSld>
 </p:sld>
@@ -5856,8 +5866,8 @@
         </p:blipFill>
         <p:spPr bwMode="auto">
           <a:xfrm>
-            <a:off x="558800" y="127000"/>
-            <a:ext cx="11023600" cy="6540500"/>
+            <a:off x="977900" y="127000"/>
+            <a:ext cx="10160000" cy="6032500"/>
           </a:xfrm>
           <a:prstGeom prst="rect">
             <a:avLst/>
@@ -5870,6 +5880,68 @@
           </a:ln>
         </p:spPr>
       </p:pic>
+      <p:sp>
+        <p:nvSpPr>
+          <p:cNvPr id="1" name="TextBox 3"/>
+          <p:cNvSpPr txBox="1"/>
+          <p:nvPr/>
+        </p:nvSpPr>
+        <p:spPr>
+          <a:xfrm>
+            <a:off x="177800" y="6159500"/>
+            <a:ext cx="11772900" cy="508000"/>
+          </a:xfrm>
+          <a:prstGeom prst="rect">
+            <a:avLst/>
+          </a:prstGeom>
+          <a:noFill/>
+        </p:spPr>
+        <p:txBody>
+          <a:bodyPr/>
+          <a:lstStyle/>
+          <a:p>
+            <a:pPr lvl="0" marL="0" indent="0" algn="ctr">
+              <a:buNone/>
+            </a:pPr>
+            <a:r>
+              <a:rPr/>
+              <a:t>Regresión</a:t>
+            </a:r>
+            <a:r>
+              <a:rPr/>
+              <a:t> </a:t>
+            </a:r>
+            <a:r>
+              <a:rPr/>
+              <a:t>con</a:t>
+            </a:r>
+            <a:r>
+              <a:rPr/>
+              <a:t> </a:t>
+            </a:r>
+            <a:r>
+              <a:rPr/>
+              <a:t>OLR</a:t>
+            </a:r>
+            <a:r>
+              <a:rPr/>
+              <a:t> </a:t>
+            </a:r>
+            <a:r>
+              <a:rPr/>
+              <a:t>/</a:t>
+            </a:r>
+            <a:r>
+              <a:rPr/>
+              <a:t> </a:t>
+            </a:r>
+            <a:r>
+              <a:rPr/>
+              <a:t>SST</a:t>
+            </a:r>
+          </a:p>
+        </p:txBody>
+      </p:sp>
     </p:spTree>
   </p:cSld>
 </p:sld>
@@ -5894,7 +5966,7 @@
       </p:grpSpPr>
       <p:pic>
         <p:nvPicPr>
-          <p:cNvPr descr="fig/23-mas_SON/unnamed-chunk-10-1.png" id="0" name="Picture 1"/>
+          <p:cNvPr descr="fig/23-mas_SON/unnamed-chunk-11-1.png" id="0" name="Picture 1"/>
           <p:cNvPicPr>
             <a:picLocks noGrp="1" noChangeAspect="1"/>
           </p:cNvPicPr>
@@ -5963,11 +6035,91 @@
             </a:r>
             <a:r>
               <a:rPr/>
-              <a:t>v</a:t>
+              <a:t>V</a:t>
             </a:r>
             <a:r>
               <a:rPr i="1"/>
               <a:t>T</a:t>
+            </a:r>
+            <a:r>
+              <a:rPr/>
+              <a:t> </a:t>
+            </a:r>
+            <a:r>
+              <a:rPr/>
+              <a:t>y</a:t>
+            </a:r>
+            <a:r>
+              <a:rPr/>
+              <a:t> </a:t>
+            </a:r>
+            <a:r>
+              <a:rPr/>
+              <a:t>multiplicación</a:t>
+            </a:r>
+            <a:r>
+              <a:rPr/>
+              <a:t> </a:t>
+            </a:r>
+            <a:r>
+              <a:rPr/>
+              <a:t>de</a:t>
+            </a:r>
+            <a:r>
+              <a:rPr/>
+              <a:t> </a:t>
+            </a:r>
+            <a:r>
+              <a:rPr/>
+              <a:t>regresión</a:t>
+            </a:r>
+            <a:r>
+              <a:rPr/>
+              <a:t> </a:t>
+            </a:r>
+            <a:r>
+              <a:rPr/>
+              <a:t>de</a:t>
+            </a:r>
+            <a:r>
+              <a:rPr/>
+              <a:t> </a:t>
+            </a:r>
+            <a:r>
+              <a:rPr/>
+              <a:t>T*</a:t>
+            </a:r>
+            <a:r>
+              <a:rPr/>
+              <a:t> </a:t>
+            </a:r>
+            <a:r>
+              <a:rPr/>
+              <a:t>con</a:t>
+            </a:r>
+            <a:r>
+              <a:rPr/>
+              <a:t> </a:t>
+            </a:r>
+            <a:r>
+              <a:rPr/>
+              <a:t>regrsión</a:t>
+            </a:r>
+            <a:r>
+              <a:rPr/>
+              <a:t> </a:t>
+            </a:r>
+            <a:r>
+              <a:rPr/>
+              <a:t>con</a:t>
+            </a:r>
+            <a:r>
+              <a:rPr/>
+              <a:t> </a:t>
+            </a:r>
+            <a:r>
+              <a:rPr/>
+              <a:t>V*.</a:t>
             </a:r>
           </a:p>
         </p:txBody>
@@ -5978,6 +6130,176 @@
 </file>
 
 <file path=ppt/slides/slide4.xml><?xml version="1.0" encoding="utf-8"?>
+<p:sld xmlns:a="http://schemas.openxmlformats.org/drawingml/2006/main" xmlns:r="http://schemas.openxmlformats.org/officeDocument/2006/relationships" xmlns:p="http://schemas.openxmlformats.org/presentationml/2006/main">
+  <p:cSld>
+    <p:spTree>
+      <p:nvGrpSpPr>
+        <p:cNvPr id="1" name=""/>
+        <p:cNvGrpSpPr/>
+        <p:nvPr/>
+      </p:nvGrpSpPr>
+      <p:grpSpPr>
+        <a:xfrm>
+          <a:off x="0" y="0"/>
+          <a:ext cx="0" cy="0"/>
+          <a:chOff x="0" y="0"/>
+          <a:chExt cx="0" cy="0"/>
+        </a:xfrm>
+      </p:grpSpPr>
+      <p:pic>
+        <p:nvPicPr>
+          <p:cNvPr descr="fig/23-mas_SON/unnamed-chunk-12-1.png" id="0" name="Picture 1"/>
+          <p:cNvPicPr>
+            <a:picLocks noGrp="1" noChangeAspect="1"/>
+          </p:cNvPicPr>
+          <p:nvPr/>
+        </p:nvPicPr>
+        <p:blipFill>
+          <a:blip r:embed="rId2"/>
+          <a:stretch>
+            <a:fillRect/>
+          </a:stretch>
+        </p:blipFill>
+        <p:spPr bwMode="auto">
+          <a:xfrm>
+            <a:off x="977900" y="127000"/>
+            <a:ext cx="10160000" cy="6032500"/>
+          </a:xfrm>
+          <a:prstGeom prst="rect">
+            <a:avLst/>
+          </a:prstGeom>
+          <a:noFill/>
+          <a:ln w="9525">
+            <a:noFill/>
+            <a:headEnd/>
+            <a:tailEnd/>
+          </a:ln>
+        </p:spPr>
+      </p:pic>
+      <p:sp>
+        <p:nvSpPr>
+          <p:cNvPr id="1" name="TextBox 3"/>
+          <p:cNvSpPr txBox="1"/>
+          <p:nvPr/>
+        </p:nvSpPr>
+        <p:spPr>
+          <a:xfrm>
+            <a:off x="177800" y="6159500"/>
+            <a:ext cx="11772900" cy="508000"/>
+          </a:xfrm>
+          <a:prstGeom prst="rect">
+            <a:avLst/>
+          </a:prstGeom>
+          <a:noFill/>
+        </p:spPr>
+        <p:txBody>
+          <a:bodyPr/>
+          <a:lstStyle/>
+          <a:p>
+            <a:pPr lvl="0" marL="0" indent="0" algn="ctr">
+              <a:buNone/>
+            </a:pPr>
+            <a:r>
+              <a:rPr/>
+              <a:t>Igual</a:t>
+            </a:r>
+            <a:r>
+              <a:rPr/>
+              <a:t> </a:t>
+            </a:r>
+            <a:r>
+              <a:rPr/>
+              <a:t>que</a:t>
+            </a:r>
+            <a:r>
+              <a:rPr/>
+              <a:t> </a:t>
+            </a:r>
+            <a:r>
+              <a:rPr/>
+              <a:t>figura</a:t>
+            </a:r>
+            <a:r>
+              <a:rPr/>
+              <a:t> </a:t>
+            </a:r>
+            <a:r>
+              <a:rPr/>
+              <a:t>anterior</a:t>
+            </a:r>
+            <a:r>
+              <a:rPr/>
+              <a:t> </a:t>
+            </a:r>
+            <a:r>
+              <a:rPr/>
+              <a:t>pero</a:t>
+            </a:r>
+            <a:r>
+              <a:rPr/>
+              <a:t> </a:t>
+            </a:r>
+            <a:r>
+              <a:rPr/>
+              <a:t>para</a:t>
+            </a:r>
+            <a:r>
+              <a:rPr/>
+              <a:t> </a:t>
+            </a:r>
+            <a:r>
+              <a:rPr/>
+              <a:t>el</a:t>
+            </a:r>
+            <a:r>
+              <a:rPr/>
+              <a:t> </a:t>
+            </a:r>
+            <a:r>
+              <a:rPr/>
+              <a:t>promedio</a:t>
+            </a:r>
+            <a:r>
+              <a:rPr/>
+              <a:t> </a:t>
+            </a:r>
+            <a:r>
+              <a:rPr/>
+              <a:t>entre</a:t>
+            </a:r>
+            <a:r>
+              <a:rPr/>
+              <a:t> </a:t>
+            </a:r>
+            <a:r>
+              <a:rPr/>
+              <a:t>75°S</a:t>
+            </a:r>
+            <a:r>
+              <a:rPr/>
+              <a:t> </a:t>
+            </a:r>
+            <a:r>
+              <a:rPr/>
+              <a:t>y</a:t>
+            </a:r>
+            <a:r>
+              <a:rPr/>
+              <a:t> </a:t>
+            </a:r>
+            <a:r>
+              <a:rPr/>
+              <a:t>40°S.</a:t>
+            </a:r>
+          </a:p>
+        </p:txBody>
+      </p:sp>
+    </p:spTree>
+  </p:cSld>
+</p:sld>
+</file>
+
+<file path=ppt/slides/slide5.xml><?xml version="1.0" encoding="utf-8"?>
 <p:sld xmlns:a="http://schemas.openxmlformats.org/drawingml/2006/main" xmlns:r="http://schemas.openxmlformats.org/officeDocument/2006/relationships" xmlns:p="http://schemas.openxmlformats.org/presentationml/2006/main">
   <p:cSld>
     <p:spTree>
@@ -6010,8 +6332,8 @@
         </p:blipFill>
         <p:spPr bwMode="auto">
           <a:xfrm>
-            <a:off x="558800" y="127000"/>
-            <a:ext cx="11023600" cy="6540500"/>
+            <a:off x="977900" y="127000"/>
+            <a:ext cx="10160000" cy="6032500"/>
           </a:xfrm>
           <a:prstGeom prst="rect">
             <a:avLst/>
@@ -6024,58 +6346,84 @@
           </a:ln>
         </p:spPr>
       </p:pic>
-    </p:spTree>
-  </p:cSld>
-</p:sld>
-</file>
-
-<file path=ppt/slides/slide5.xml><?xml version="1.0" encoding="utf-8"?>
-<p:sld xmlns:a="http://schemas.openxmlformats.org/drawingml/2006/main" xmlns:r="http://schemas.openxmlformats.org/officeDocument/2006/relationships" xmlns:p="http://schemas.openxmlformats.org/presentationml/2006/main">
-  <p:cSld>
-    <p:spTree>
-      <p:nvGrpSpPr>
-        <p:cNvPr id="1" name=""/>
-        <p:cNvGrpSpPr/>
-        <p:nvPr/>
-      </p:nvGrpSpPr>
-      <p:grpSpPr>
-        <a:xfrm>
-          <a:off x="0" y="0"/>
-          <a:ext cx="0" cy="0"/>
-          <a:chOff x="0" y="0"/>
-          <a:chExt cx="0" cy="0"/>
-        </a:xfrm>
-      </p:grpSpPr>
-      <p:pic>
-        <p:nvPicPr>
-          <p:cNvPr descr="fig/23-mas_SON/unnamed-chunk-15-1.png" id="0" name="Picture 1"/>
-          <p:cNvPicPr>
-            <a:picLocks noGrp="1" noChangeAspect="1"/>
-          </p:cNvPicPr>
+      <p:sp>
+        <p:nvSpPr>
+          <p:cNvPr id="1" name="TextBox 3"/>
+          <p:cNvSpPr txBox="1"/>
           <p:nvPr/>
-        </p:nvPicPr>
-        <p:blipFill>
-          <a:blip r:embed="rId2"/>
-          <a:stretch>
-            <a:fillRect/>
-          </a:stretch>
-        </p:blipFill>
-        <p:spPr bwMode="auto">
-          <a:xfrm>
-            <a:off x="558800" y="127000"/>
-            <a:ext cx="11023600" cy="6540500"/>
+        </p:nvSpPr>
+        <p:spPr>
+          <a:xfrm>
+            <a:off x="177800" y="6159500"/>
+            <a:ext cx="11772900" cy="508000"/>
           </a:xfrm>
           <a:prstGeom prst="rect">
             <a:avLst/>
           </a:prstGeom>
           <a:noFill/>
-          <a:ln w="9525">
-            <a:noFill/>
-            <a:headEnd/>
-            <a:tailEnd/>
-          </a:ln>
-        </p:spPr>
-      </p:pic>
+        </p:spPr>
+        <p:txBody>
+          <a:bodyPr/>
+          <a:lstStyle/>
+          <a:p>
+            <a:pPr lvl="0" marL="0" indent="0" algn="ctr">
+              <a:buNone/>
+            </a:pPr>
+            <a:r>
+              <a:rPr/>
+              <a:t>Regresión</a:t>
+            </a:r>
+            <a:r>
+              <a:rPr/>
+              <a:t> </a:t>
+            </a:r>
+            <a:r>
+              <a:rPr/>
+              <a:t>con</a:t>
+            </a:r>
+            <a:r>
+              <a:rPr/>
+              <a:t> </a:t>
+            </a:r>
+            <a:r>
+              <a:rPr/>
+              <a:t>Altura</a:t>
+            </a:r>
+            <a:r>
+              <a:rPr/>
+              <a:t> </a:t>
+            </a:r>
+            <a:r>
+              <a:rPr/>
+              <a:t>geopotential</a:t>
+            </a:r>
+            <a:r>
+              <a:rPr/>
+              <a:t> </a:t>
+            </a:r>
+            <a:r>
+              <a:rPr/>
+              <a:t>/</a:t>
+            </a:r>
+            <a:r>
+              <a:rPr/>
+              <a:t> </a:t>
+            </a:r>
+            <a:r>
+              <a:rPr/>
+              <a:t>v</a:t>
+            </a:r>
+            <a:r>
+              <a:rPr i="1"/>
+              <a:t>T</a:t>
+            </a:r>
+            <a:r>
+              <a:rPr/>
+              <a:t>.</a:t>
+            </a:r>
+          </a:p>
+        </p:txBody>
+      </p:sp>
     </p:spTree>
   </p:cSld>
 </p:sld>
@@ -6114,8 +6462,8 @@
         </p:blipFill>
         <p:spPr bwMode="auto">
           <a:xfrm>
-            <a:off x="558800" y="127000"/>
-            <a:ext cx="11023600" cy="6540500"/>
+            <a:off x="977900" y="127000"/>
+            <a:ext cx="10160000" cy="6032500"/>
           </a:xfrm>
           <a:prstGeom prst="rect">
             <a:avLst/>
@@ -6128,6 +6476,108 @@
           </a:ln>
         </p:spPr>
       </p:pic>
+      <p:sp>
+        <p:nvSpPr>
+          <p:cNvPr id="1" name="TextBox 3"/>
+          <p:cNvSpPr txBox="1"/>
+          <p:nvPr/>
+        </p:nvSpPr>
+        <p:spPr>
+          <a:xfrm>
+            <a:off x="177800" y="6159500"/>
+            <a:ext cx="11772900" cy="508000"/>
+          </a:xfrm>
+          <a:prstGeom prst="rect">
+            <a:avLst/>
+          </a:prstGeom>
+          <a:noFill/>
+        </p:spPr>
+        <p:txBody>
+          <a:bodyPr/>
+          <a:lstStyle/>
+          <a:p>
+            <a:pPr lvl="0" marL="0" indent="0" algn="ctr">
+              <a:buNone/>
+            </a:pPr>
+            <a:r>
+              <a:rPr/>
+              <a:t>Regresión</a:t>
+            </a:r>
+            <a:r>
+              <a:rPr/>
+              <a:t> </a:t>
+            </a:r>
+            <a:r>
+              <a:rPr/>
+              <a:t>con</a:t>
+            </a:r>
+            <a:r>
+              <a:rPr/>
+              <a:t> </a:t>
+            </a:r>
+            <a:r>
+              <a:rPr/>
+              <a:t>U</a:t>
+            </a:r>
+            <a:r>
+              <a:rPr/>
+              <a:t> </a:t>
+            </a:r>
+            <a:r>
+              <a:rPr/>
+              <a:t>media</a:t>
+            </a:r>
+            <a:r>
+              <a:rPr/>
+              <a:t> </a:t>
+            </a:r>
+            <a:r>
+              <a:rPr/>
+              <a:t>zonal.</a:t>
+            </a:r>
+            <a:r>
+              <a:rPr/>
+              <a:t> </a:t>
+            </a:r>
+            <a:r>
+              <a:rPr/>
+              <a:t>En</a:t>
+            </a:r>
+            <a:r>
+              <a:rPr/>
+              <a:t> </a:t>
+            </a:r>
+            <a:r>
+              <a:rPr/>
+              <a:t>contornos</a:t>
+            </a:r>
+            <a:r>
+              <a:rPr/>
+              <a:t> </a:t>
+            </a:r>
+            <a:r>
+              <a:rPr/>
+              <a:t>el</a:t>
+            </a:r>
+            <a:r>
+              <a:rPr/>
+              <a:t> </a:t>
+            </a:r>
+            <a:r>
+              <a:rPr/>
+              <a:t>U</a:t>
+            </a:r>
+            <a:r>
+              <a:rPr/>
+              <a:t> </a:t>
+            </a:r>
+            <a:r>
+              <a:rPr/>
+              <a:t>medio.</a:t>
+            </a:r>
+          </a:p>
+        </p:txBody>
+      </p:sp>
     </p:spTree>
   </p:cSld>
 </p:sld>
@@ -6150,6 +6600,36 @@
           <a:chExt cx="0" cy="0"/>
         </a:xfrm>
       </p:grpSpPr>
+      <p:sp>
+        <p:nvSpPr>
+          <p:cNvPr id="2" name="Title 1"/>
+          <p:cNvSpPr>
+            <a:spLocks noGrp="1"/>
+          </p:cNvSpPr>
+          <p:nvPr>
+            <p:ph type="title"/>
+          </p:nvPr>
+        </p:nvSpPr>
+        <p:spPr>
+          <a:xfrm>
+            <a:off x="838035" y="231845"/>
+            <a:ext cx="10513530" cy="315912"/>
+          </a:xfrm>
+        </p:spPr>
+        <p:txBody>
+          <a:bodyPr/>
+          <a:lstStyle/>
+          <a:p>
+            <a:pPr lvl="0" marL="0" indent="0">
+              <a:buNone/>
+            </a:pPr>
+            <a:r>
+              <a:rPr/>
+              <a:t>Temperatura</a:t>
+            </a:r>
+          </a:p>
+        </p:txBody>
+      </p:sp>
       <p:pic>
         <p:nvPicPr>
           <p:cNvPr descr="fig/23-mas_SON/unnamed-chunk-17-1.png" id="0" name="Picture 1"/>
@@ -6221,7 +6701,23 @@
             </a:r>
             <a:r>
               <a:rPr/>
-              <a:t>olr</a:t>
+              <a:t>temperatura</a:t>
+            </a:r>
+            <a:r>
+              <a:rPr/>
+              <a:t> </a:t>
+            </a:r>
+            <a:r>
+              <a:rPr/>
+              <a:t>en</a:t>
+            </a:r>
+            <a:r>
+              <a:rPr/>
+              <a:t> </a:t>
+            </a:r>
+            <a:r>
+              <a:rPr/>
+              <a:t>superficie</a:t>
             </a:r>
           </a:p>
         </p:txBody>
@@ -6303,23 +6799,7 @@
             </a:pPr>
             <a:r>
               <a:rPr/>
-              <a:t>Regresión</a:t>
-            </a:r>
-            <a:r>
-              <a:rPr/>
-              <a:t> </a:t>
-            </a:r>
-            <a:r>
-              <a:rPr/>
-              <a:t>con</a:t>
-            </a:r>
-            <a:r>
-              <a:rPr/>
-              <a:t> </a:t>
-            </a:r>
-            <a:r>
-              <a:rPr/>
-              <a:t>temperatura</a:t>
+              <a:t>Detalle</a:t>
             </a:r>
             <a:r>
               <a:rPr/>
@@ -6335,7 +6815,23 @@
             </a:r>
             <a:r>
               <a:rPr/>
-              <a:t>aire</a:t>
+              <a:t>anterior</a:t>
+            </a:r>
+            <a:r>
+              <a:rPr/>
+              <a:t> </a:t>
+            </a:r>
+            <a:r>
+              <a:rPr/>
+              <a:t>en</a:t>
+            </a:r>
+            <a:r>
+              <a:rPr/>
+              <a:t> </a:t>
+            </a:r>
+            <a:r>
+              <a:rPr/>
+              <a:t>Sudamérica.</a:t>
             </a:r>
           </a:p>
         </p:txBody>
@@ -6378,8 +6874,8 @@
         </p:blipFill>
         <p:spPr bwMode="auto">
           <a:xfrm>
-            <a:off x="558800" y="127000"/>
-            <a:ext cx="11023600" cy="6540500"/>
+            <a:off x="977900" y="127000"/>
+            <a:ext cx="10160000" cy="6032500"/>
           </a:xfrm>
           <a:prstGeom prst="rect">
             <a:avLst/>
@@ -6392,6 +6888,148 @@
           </a:ln>
         </p:spPr>
       </p:pic>
+      <p:sp>
+        <p:nvSpPr>
+          <p:cNvPr id="1" name="TextBox 3"/>
+          <p:cNvSpPr txBox="1"/>
+          <p:nvPr/>
+        </p:nvSpPr>
+        <p:spPr>
+          <a:xfrm>
+            <a:off x="177800" y="6159500"/>
+            <a:ext cx="11772900" cy="508000"/>
+          </a:xfrm>
+          <a:prstGeom prst="rect">
+            <a:avLst/>
+          </a:prstGeom>
+          <a:noFill/>
+        </p:spPr>
+        <p:txBody>
+          <a:bodyPr/>
+          <a:lstStyle/>
+          <a:p>
+            <a:pPr lvl="0" marL="0" indent="0" algn="ctr">
+              <a:buNone/>
+            </a:pPr>
+            <a:r>
+              <a:rPr/>
+              <a:t>Relación</a:t>
+            </a:r>
+            <a:r>
+              <a:rPr/>
+              <a:t> </a:t>
+            </a:r>
+            <a:r>
+              <a:rPr/>
+              <a:t>de</a:t>
+            </a:r>
+            <a:r>
+              <a:rPr/>
+              <a:t> </a:t>
+            </a:r>
+            <a:r>
+              <a:rPr/>
+              <a:t>EOF</a:t>
+            </a:r>
+            <a:r>
+              <a:rPr/>
+              <a:t> </a:t>
+            </a:r>
+            <a:r>
+              <a:rPr/>
+              <a:t>con</a:t>
+            </a:r>
+            <a:r>
+              <a:rPr/>
+              <a:t> </a:t>
+            </a:r>
+            <a:r>
+              <a:rPr/>
+              <a:t>temperatura</a:t>
+            </a:r>
+            <a:r>
+              <a:rPr/>
+              <a:t> </a:t>
+            </a:r>
+            <a:r>
+              <a:rPr/>
+              <a:t>media</a:t>
+            </a:r>
+            <a:r>
+              <a:rPr/>
+              <a:t> </a:t>
+            </a:r>
+            <a:r>
+              <a:rPr/>
+              <a:t>en</a:t>
+            </a:r>
+            <a:r>
+              <a:rPr/>
+              <a:t> </a:t>
+            </a:r>
+            <a:r>
+              <a:rPr/>
+              <a:t>la</a:t>
+            </a:r>
+            <a:r>
+              <a:rPr/>
+              <a:t> </a:t>
+            </a:r>
+            <a:r>
+              <a:rPr/>
+              <a:t>Península</a:t>
+            </a:r>
+            <a:r>
+              <a:rPr/>
+              <a:t> </a:t>
+            </a:r>
+            <a:r>
+              <a:rPr/>
+              <a:t>Antártica</a:t>
+            </a:r>
+            <a:r>
+              <a:rPr/>
+              <a:t> </a:t>
+            </a:r>
+            <a:r>
+              <a:rPr/>
+              <a:t>(caja</a:t>
+            </a:r>
+            <a:r>
+              <a:rPr/>
+              <a:t> </a:t>
+            </a:r>
+            <a:r>
+              <a:rPr/>
+              <a:t>en</a:t>
+            </a:r>
+            <a:r>
+              <a:rPr/>
+              <a:t> </a:t>
+            </a:r>
+            <a:r>
+              <a:rPr/>
+              <a:t>la</a:t>
+            </a:r>
+            <a:r>
+              <a:rPr/>
+              <a:t> </a:t>
+            </a:r>
+            <a:r>
+              <a:rPr/>
+              <a:t>figura</a:t>
+            </a:r>
+            <a:r>
+              <a:rPr/>
+              <a:t> </a:t>
+            </a:r>
+            <a:r>
+              <a:rPr/>
+              <a:t>anterior).</a:t>
+            </a:r>
+          </a:p>
+        </p:txBody>
+      </p:sp>
     </p:spTree>
   </p:cSld>
 </p:sld>
